--- a/Présentation.pptx
+++ b/Présentation.pptx
@@ -5848,8 +5848,8 @@
         </p:nvSpPr>
         <p:spPr>
           <a:xfrm>
-            <a:off x="6694882" y="3092032"/>
-            <a:ext cx="5093843" cy="2031325"/>
+            <a:off x="6465572" y="1370638"/>
+            <a:ext cx="5093843" cy="4247317"/>
           </a:xfrm>
           <a:prstGeom prst="rect">
             <a:avLst/>
@@ -5864,15 +5864,42 @@
           <a:p>
             <a:r>
               <a:rPr lang="fr-FR" b="1" dirty="0"/>
-              <a:t>Présenter les travaux</a:t>
+              <a:t>Votre compréhension du sujet</a:t>
             </a:r>
-            <a:endParaRPr lang="fr-FR" dirty="0"/>
-          </a:p>
-          <a:p>
+          </a:p>
+          <a:p>
+            <a:pPr marL="285750" indent="-285750">
+              <a:buFontTx/>
+              <a:buChar char="-"/>
+            </a:pPr>
             <a:r>
               <a:rPr lang="fr-FR" b="1" dirty="0"/>
-              <a:t>Votre compréhension du sujet</a:t>
+              <a:t>Problème : gestion des informations des activités</a:t>
             </a:r>
+          </a:p>
+          <a:p>
+            <a:pPr marL="285750" indent="-285750">
+              <a:buFontTx/>
+              <a:buChar char="-"/>
+            </a:pPr>
+            <a:r>
+              <a:rPr lang="fr-FR" b="1" dirty="0"/>
+              <a:t>Besoin : solution performante qui </a:t>
+            </a:r>
+            <a:r>
+              <a:rPr lang="fr-FR" b="1" dirty="0" err="1"/>
+              <a:t>résoud</a:t>
+            </a:r>
+            <a:r>
+              <a:rPr lang="fr-FR" b="1" dirty="0"/>
+              <a:t> ce problème</a:t>
+            </a:r>
+          </a:p>
+          <a:p>
+            <a:pPr marL="285750" indent="-285750">
+              <a:buFontTx/>
+              <a:buChar char="-"/>
+            </a:pPr>
             <a:endParaRPr lang="fr-FR" dirty="0"/>
           </a:p>
           <a:p>
@@ -5882,13 +5909,43 @@
             </a:r>
           </a:p>
           <a:p>
+            <a:endParaRPr lang="fr-FR" b="1" dirty="0"/>
+          </a:p>
+          <a:p>
             <a:r>
               <a:rPr lang="fr-FR" b="1" dirty="0"/>
               <a:t>Comment avez vous perçu le besoin client ?</a:t>
             </a:r>
           </a:p>
           <a:p>
-            <a:endParaRPr lang="fr-FR" dirty="0"/>
+            <a:pPr marL="285750" indent="-285750">
+              <a:buFontTx/>
+              <a:buChar char="-"/>
+            </a:pPr>
+            <a:r>
+              <a:rPr lang="fr-FR" b="1" dirty="0"/>
+              <a:t>Contexte fourni</a:t>
+            </a:r>
+          </a:p>
+          <a:p>
+            <a:pPr marL="285750" indent="-285750">
+              <a:buFontTx/>
+              <a:buChar char="-"/>
+            </a:pPr>
+            <a:r>
+              <a:rPr lang="fr-FR" b="1" dirty="0"/>
+              <a:t>Réunion avec le client</a:t>
+            </a:r>
+          </a:p>
+          <a:p>
+            <a:pPr marL="285750" indent="-285750">
+              <a:buFontTx/>
+              <a:buChar char="-"/>
+            </a:pPr>
+            <a:r>
+              <a:rPr lang="fr-FR" b="1" dirty="0"/>
+              <a:t>Comparer les attentes client avec les autres produits existants</a:t>
+            </a:r>
           </a:p>
           <a:p>
             <a:endParaRPr lang="fr-FR" dirty="0"/>

--- a/Présentation.pptx
+++ b/Présentation.pptx
@@ -5884,15 +5884,7 @@
             </a:pPr>
             <a:r>
               <a:rPr lang="fr-FR" b="1" dirty="0"/>
-              <a:t>Besoin : solution performante qui </a:t>
-            </a:r>
-            <a:r>
-              <a:rPr lang="fr-FR" b="1" dirty="0" err="1"/>
-              <a:t>résoud</a:t>
-            </a:r>
-            <a:r>
-              <a:rPr lang="fr-FR" b="1" dirty="0"/>
-              <a:t> ce problème</a:t>
+              <a:t>Besoin : solution performante qui résous ce problème</a:t>
             </a:r>
           </a:p>
           <a:p>

--- a/Présentation.pptx
+++ b/Présentation.pptx
@@ -7,10 +7,6 @@
   <p:sldIdLst>
     <p:sldId id="256" r:id="rId2"/>
     <p:sldId id="257" r:id="rId3"/>
-    <p:sldId id="258" r:id="rId4"/>
-    <p:sldId id="259" r:id="rId5"/>
-    <p:sldId id="260" r:id="rId6"/>
-    <p:sldId id="261" r:id="rId7"/>
   </p:sldIdLst>
   <p:sldSz cx="12192000" cy="6858000"/>
   <p:notesSz cx="6858000" cy="9144000"/>
@@ -839,7 +835,7 @@
           <a:p>
             <a:fld id="{7A46D9D8-BD6A-4A21-B298-24A6C8A37203}" type="datetimeFigureOut">
               <a:rPr lang="fr-FR" smtClean="0"/>
-              <a:t>03/06/2020</a:t>
+              <a:t>07/06/2020</a:t>
             </a:fld>
             <a:endParaRPr lang="fr-FR"/>
           </a:p>
@@ -1090,7 +1086,7 @@
           <a:p>
             <a:fld id="{7A46D9D8-BD6A-4A21-B298-24A6C8A37203}" type="datetimeFigureOut">
               <a:rPr lang="fr-FR" smtClean="0"/>
-              <a:t>03/06/2020</a:t>
+              <a:t>07/06/2020</a:t>
             </a:fld>
             <a:endParaRPr lang="fr-FR"/>
           </a:p>
@@ -1404,7 +1400,7 @@
           <a:p>
             <a:fld id="{7A46D9D8-BD6A-4A21-B298-24A6C8A37203}" type="datetimeFigureOut">
               <a:rPr lang="fr-FR" smtClean="0"/>
-              <a:t>03/06/2020</a:t>
+              <a:t>07/06/2020</a:t>
             </a:fld>
             <a:endParaRPr lang="fr-FR"/>
           </a:p>
@@ -1745,7 +1741,7 @@
           <a:p>
             <a:fld id="{7A46D9D8-BD6A-4A21-B298-24A6C8A37203}" type="datetimeFigureOut">
               <a:rPr lang="fr-FR" smtClean="0"/>
-              <a:t>03/06/2020</a:t>
+              <a:t>07/06/2020</a:t>
             </a:fld>
             <a:endParaRPr lang="fr-FR"/>
           </a:p>
@@ -2059,7 +2055,7 @@
           <a:p>
             <a:fld id="{7A46D9D8-BD6A-4A21-B298-24A6C8A37203}" type="datetimeFigureOut">
               <a:rPr lang="fr-FR" smtClean="0"/>
-              <a:t>03/06/2020</a:t>
+              <a:t>07/06/2020</a:t>
             </a:fld>
             <a:endParaRPr lang="fr-FR"/>
           </a:p>
@@ -2452,7 +2448,7 @@
           <a:p>
             <a:fld id="{7A46D9D8-BD6A-4A21-B298-24A6C8A37203}" type="datetimeFigureOut">
               <a:rPr lang="fr-FR" smtClean="0"/>
-              <a:t>03/06/2020</a:t>
+              <a:t>07/06/2020</a:t>
             </a:fld>
             <a:endParaRPr lang="fr-FR"/>
           </a:p>
@@ -2622,7 +2618,7 @@
           <a:p>
             <a:fld id="{7A46D9D8-BD6A-4A21-B298-24A6C8A37203}" type="datetimeFigureOut">
               <a:rPr lang="fr-FR" smtClean="0"/>
-              <a:t>03/06/2020</a:t>
+              <a:t>07/06/2020</a:t>
             </a:fld>
             <a:endParaRPr lang="fr-FR"/>
           </a:p>
@@ -2802,7 +2798,7 @@
           <a:p>
             <a:fld id="{7A46D9D8-BD6A-4A21-B298-24A6C8A37203}" type="datetimeFigureOut">
               <a:rPr lang="fr-FR" smtClean="0"/>
-              <a:t>03/06/2020</a:t>
+              <a:t>07/06/2020</a:t>
             </a:fld>
             <a:endParaRPr lang="fr-FR"/>
           </a:p>
@@ -2978,7 +2974,7 @@
           <a:p>
             <a:fld id="{7A46D9D8-BD6A-4A21-B298-24A6C8A37203}" type="datetimeFigureOut">
               <a:rPr lang="fr-FR" smtClean="0"/>
-              <a:t>03/06/2020</a:t>
+              <a:t>07/06/2020</a:t>
             </a:fld>
             <a:endParaRPr lang="fr-FR"/>
           </a:p>
@@ -3225,7 +3221,7 @@
           <a:p>
             <a:fld id="{7A46D9D8-BD6A-4A21-B298-24A6C8A37203}" type="datetimeFigureOut">
               <a:rPr lang="fr-FR" smtClean="0"/>
-              <a:t>03/06/2020</a:t>
+              <a:t>07/06/2020</a:t>
             </a:fld>
             <a:endParaRPr lang="fr-FR"/>
           </a:p>
@@ -3457,7 +3453,7 @@
           <a:p>
             <a:fld id="{7A46D9D8-BD6A-4A21-B298-24A6C8A37203}" type="datetimeFigureOut">
               <a:rPr lang="fr-FR" smtClean="0"/>
-              <a:t>03/06/2020</a:t>
+              <a:t>07/06/2020</a:t>
             </a:fld>
             <a:endParaRPr lang="fr-FR"/>
           </a:p>
@@ -3831,7 +3827,7 @@
           <a:p>
             <a:fld id="{7A46D9D8-BD6A-4A21-B298-24A6C8A37203}" type="datetimeFigureOut">
               <a:rPr lang="fr-FR" smtClean="0"/>
-              <a:t>03/06/2020</a:t>
+              <a:t>07/06/2020</a:t>
             </a:fld>
             <a:endParaRPr lang="fr-FR"/>
           </a:p>
@@ -3954,7 +3950,7 @@
           <a:p>
             <a:fld id="{7A46D9D8-BD6A-4A21-B298-24A6C8A37203}" type="datetimeFigureOut">
               <a:rPr lang="fr-FR" smtClean="0"/>
-              <a:t>03/06/2020</a:t>
+              <a:t>07/06/2020</a:t>
             </a:fld>
             <a:endParaRPr lang="fr-FR"/>
           </a:p>
@@ -4049,7 +4045,7 @@
           <a:p>
             <a:fld id="{7A46D9D8-BD6A-4A21-B298-24A6C8A37203}" type="datetimeFigureOut">
               <a:rPr lang="fr-FR" smtClean="0"/>
-              <a:t>03/06/2020</a:t>
+              <a:t>07/06/2020</a:t>
             </a:fld>
             <a:endParaRPr lang="fr-FR"/>
           </a:p>
@@ -4304,7 +4300,7 @@
           <a:p>
             <a:fld id="{7A46D9D8-BD6A-4A21-B298-24A6C8A37203}" type="datetimeFigureOut">
               <a:rPr lang="fr-FR" smtClean="0"/>
-              <a:t>03/06/2020</a:t>
+              <a:t>07/06/2020</a:t>
             </a:fld>
             <a:endParaRPr lang="fr-FR"/>
           </a:p>
@@ -4567,7 +4563,7 @@
           <a:p>
             <a:fld id="{7A46D9D8-BD6A-4A21-B298-24A6C8A37203}" type="datetimeFigureOut">
               <a:rPr lang="fr-FR" smtClean="0"/>
-              <a:t>03/06/2020</a:t>
+              <a:t>07/06/2020</a:t>
             </a:fld>
             <a:endParaRPr lang="fr-FR"/>
           </a:p>
@@ -5310,7 +5306,7 @@
           <a:p>
             <a:fld id="{7A46D9D8-BD6A-4A21-B298-24A6C8A37203}" type="datetimeFigureOut">
               <a:rPr lang="fr-FR" smtClean="0"/>
-              <a:t>03/06/2020</a:t>
+              <a:t>07/06/2020</a:t>
             </a:fld>
             <a:endParaRPr lang="fr-FR"/>
           </a:p>
@@ -5849,7 +5845,7 @@
         <p:spPr>
           <a:xfrm>
             <a:off x="6465572" y="1370638"/>
-            <a:ext cx="5093843" cy="4247317"/>
+            <a:ext cx="5093843" cy="4524315"/>
           </a:xfrm>
           <a:prstGeom prst="rect">
             <a:avLst/>
@@ -5897,7 +5893,17 @@
           <a:p>
             <a:r>
               <a:rPr lang="fr-FR" b="1" dirty="0"/>
-              <a:t>Votre motivation, vos envies. </a:t>
+              <a:t>Votre motivation, vos envies</a:t>
+            </a:r>
+          </a:p>
+          <a:p>
+            <a:pPr marL="285750" indent="-285750">
+              <a:buFontTx/>
+              <a:buChar char="-"/>
+            </a:pPr>
+            <a:r>
+              <a:rPr lang="fr-FR" b="1" dirty="0"/>
+              <a:t>Peu de motivations et envies</a:t>
             </a:r>
           </a:p>
           <a:p>
@@ -5983,6 +5989,52 @@
           </a:prstGeom>
         </p:spPr>
       </p:pic>
+      <p:sp>
+        <p:nvSpPr>
+          <p:cNvPr id="5" name="ZoneTexte 4">
+            <a:extLst>
+              <a:ext uri="{FF2B5EF4-FFF2-40B4-BE49-F238E27FC236}">
+                <a16:creationId xmlns:a16="http://schemas.microsoft.com/office/drawing/2014/main" id="{EC67B410-5B94-484C-AE73-D23901677A87}"/>
+              </a:ext>
+            </a:extLst>
+          </p:cNvPr>
+          <p:cNvSpPr txBox="1"/>
+          <p:nvPr/>
+        </p:nvSpPr>
+        <p:spPr>
+          <a:xfrm>
+            <a:off x="3696684" y="170309"/>
+            <a:ext cx="5093843" cy="1200329"/>
+          </a:xfrm>
+          <a:prstGeom prst="rect">
+            <a:avLst/>
+          </a:prstGeom>
+          <a:noFill/>
+        </p:spPr>
+        <p:txBody>
+          <a:bodyPr wrap="square" rtlCol="0">
+            <a:spAutoFit/>
+          </a:bodyPr>
+          <a:lstStyle/>
+          <a:p>
+            <a:pPr algn="ctr"/>
+            <a:r>
+              <a:rPr lang="fr-FR" sz="2400" dirty="0"/>
+              <a:t>Application </a:t>
+            </a:r>
+          </a:p>
+          <a:p>
+            <a:pPr algn="ctr"/>
+            <a:r>
+              <a:rPr lang="fr-FR" sz="2400" dirty="0"/>
+              <a:t>Ergonomique, Efficace, Simple</a:t>
+            </a:r>
+          </a:p>
+          <a:p>
+            <a:endParaRPr lang="fr-FR" sz="2400" dirty="0"/>
+          </a:p>
+        </p:txBody>
+      </p:sp>
     </p:spTree>
     <p:extLst>
       <p:ext uri="{BB962C8B-B14F-4D97-AF65-F5344CB8AC3E}">
@@ -6021,790 +6073,12 @@
           <a:chExt cx="0" cy="0"/>
         </a:xfrm>
       </p:grpSpPr>
-      <p:sp>
-        <p:nvSpPr>
-          <p:cNvPr id="37" name="Rectangle 36">
+      <p:pic>
+        <p:nvPicPr>
+          <p:cNvPr id="16" name="Image 15" descr="Une image contenant capture d’écran&#10;&#10;Description générée automatiquement">
             <a:extLst>
               <a:ext uri="{FF2B5EF4-FFF2-40B4-BE49-F238E27FC236}">
-                <a16:creationId xmlns:a16="http://schemas.microsoft.com/office/drawing/2014/main" id="{03E8462A-FEBA-4848-81CC-3F8DA3E477BE}"/>
-              </a:ext>
-              <a:ext uri="{C183D7F6-B498-43B3-948B-1728B52AA6E4}">
-                <adec:decorative xmlns:adec="http://schemas.microsoft.com/office/drawing/2017/decorative" val="1"/>
-              </a:ext>
-            </a:extLst>
-          </p:cNvPr>
-          <p:cNvSpPr>
-            <a:spLocks noGrp="1" noRot="1" noChangeAspect="1" noMove="1" noResize="1" noEditPoints="1" noAdjustHandles="1" noChangeArrowheads="1" noChangeShapeType="1" noTextEdit="1"/>
-          </p:cNvSpPr>
-          <p:nvPr>
-            <p:extLst>
-              <p:ext uri="{386F3935-93C4-4BCD-93E2-E3B085C9AB24}">
-                <p16:designElem xmlns:p16="http://schemas.microsoft.com/office/powerpoint/2015/main" val="1"/>
-              </p:ext>
-            </p:extLst>
-          </p:nvPr>
-        </p:nvSpPr>
-        <p:spPr>
-          <a:xfrm>
-            <a:off x="0" y="0"/>
-            <a:ext cx="12188952" cy="6858000"/>
-          </a:xfrm>
-          <a:prstGeom prst="rect">
-            <a:avLst/>
-          </a:prstGeom>
-          <a:solidFill>
-            <a:schemeClr val="accent2"/>
-          </a:solidFill>
-          <a:ln>
-            <a:noFill/>
-          </a:ln>
-        </p:spPr>
-        <p:style>
-          <a:lnRef idx="2">
-            <a:schemeClr val="accent1">
-              <a:shade val="50000"/>
-            </a:schemeClr>
-          </a:lnRef>
-          <a:fillRef idx="1">
-            <a:schemeClr val="accent1"/>
-          </a:fillRef>
-          <a:effectRef idx="0">
-            <a:schemeClr val="accent1"/>
-          </a:effectRef>
-          <a:fontRef idx="minor">
-            <a:schemeClr val="lt1"/>
-          </a:fontRef>
-        </p:style>
-        <p:txBody>
-          <a:bodyPr rtlCol="0" anchor="ctr"/>
-          <a:lstStyle/>
-          <a:p>
-            <a:pPr algn="ctr"/>
-            <a:endParaRPr lang="en-US"/>
-          </a:p>
-        </p:txBody>
-      </p:sp>
-      <p:grpSp>
-        <p:nvGrpSpPr>
-          <p:cNvPr id="39" name="Group 38">
-            <a:extLst>
-              <a:ext uri="{FF2B5EF4-FFF2-40B4-BE49-F238E27FC236}">
-                <a16:creationId xmlns:a16="http://schemas.microsoft.com/office/drawing/2014/main" id="{2109F83F-40FE-4DB3-84CC-09FB3340D06D}"/>
-              </a:ext>
-              <a:ext uri="{C183D7F6-B498-43B3-948B-1728B52AA6E4}">
-                <adec:decorative xmlns:adec="http://schemas.microsoft.com/office/drawing/2017/decorative" val="1"/>
-              </a:ext>
-            </a:extLst>
-          </p:cNvPr>
-          <p:cNvGrpSpPr>
-            <a:grpSpLocks noGrp="1" noUngrp="1" noRot="1" noChangeAspect="1" noMove="1" noResize="1"/>
-          </p:cNvGrpSpPr>
-          <p:nvPr>
-            <p:extLst>
-              <p:ext uri="{386F3935-93C4-4BCD-93E2-E3B085C9AB24}">
-                <p16:designElem xmlns:p16="http://schemas.microsoft.com/office/powerpoint/2015/main" val="1"/>
-              </p:ext>
-            </p:extLst>
-          </p:nvPr>
-        </p:nvGrpSpPr>
-        <p:grpSpPr>
-          <a:xfrm>
-            <a:off x="0" y="-8467"/>
-            <a:ext cx="12192000" cy="6866467"/>
-            <a:chOff x="0" y="-8467"/>
-            <a:chExt cx="12192000" cy="6866467"/>
-          </a:xfrm>
-        </p:grpSpPr>
-        <p:cxnSp>
-          <p:nvCxnSpPr>
-            <p:cNvPr id="40" name="Straight Connector 39">
-              <a:extLst>
-                <a:ext uri="{FF2B5EF4-FFF2-40B4-BE49-F238E27FC236}">
-                  <a16:creationId xmlns:a16="http://schemas.microsoft.com/office/drawing/2014/main" id="{1DE492D7-C3C3-48FF-80C8-37021EA0262F}"/>
-                </a:ext>
-                <a:ext uri="{C183D7F6-B498-43B3-948B-1728B52AA6E4}">
-                  <adec:decorative xmlns:adec="http://schemas.microsoft.com/office/drawing/2017/decorative" val="1"/>
-                </a:ext>
-              </a:extLst>
-            </p:cNvPr>
-            <p:cNvCxnSpPr/>
-            <p:nvPr>
-              <p:extLst>
-                <p:ext uri="{386F3935-93C4-4BCD-93E2-E3B085C9AB24}">
-                  <p16:designElem xmlns:p16="http://schemas.microsoft.com/office/powerpoint/2015/main" val="1"/>
-                </p:ext>
-              </p:extLst>
-            </p:nvPr>
-          </p:nvCxnSpPr>
-          <p:spPr>
-            <a:xfrm flipH="1">
-              <a:off x="7425267" y="3681413"/>
-              <a:ext cx="4763558" cy="3176587"/>
-            </a:xfrm>
-            <a:prstGeom prst="line">
-              <a:avLst/>
-            </a:prstGeom>
-            <a:ln w="9525">
-              <a:solidFill>
-                <a:schemeClr val="bg1">
-                  <a:lumMod val="85000"/>
-                </a:schemeClr>
-              </a:solidFill>
-            </a:ln>
-          </p:spPr>
-          <p:style>
-            <a:lnRef idx="2">
-              <a:schemeClr val="accent1"/>
-            </a:lnRef>
-            <a:fillRef idx="0">
-              <a:schemeClr val="accent1"/>
-            </a:fillRef>
-            <a:effectRef idx="1">
-              <a:schemeClr val="accent1"/>
-            </a:effectRef>
-            <a:fontRef idx="minor">
-              <a:schemeClr val="tx1"/>
-            </a:fontRef>
-          </p:style>
-        </p:cxnSp>
-        <p:sp>
-          <p:nvSpPr>
-            <p:cNvPr id="41" name="Rectangle 23">
-              <a:extLst>
-                <a:ext uri="{FF2B5EF4-FFF2-40B4-BE49-F238E27FC236}">
-                  <a16:creationId xmlns:a16="http://schemas.microsoft.com/office/drawing/2014/main" id="{0B30FF97-2E9A-490A-AED2-90BA2E0EC17F}"/>
-                </a:ext>
-                <a:ext uri="{C183D7F6-B498-43B3-948B-1728B52AA6E4}">
-                  <adec:decorative xmlns:adec="http://schemas.microsoft.com/office/drawing/2017/decorative" val="1"/>
-                </a:ext>
-              </a:extLst>
-            </p:cNvPr>
-            <p:cNvSpPr/>
-            <p:nvPr>
-              <p:extLst>
-                <p:ext uri="{386F3935-93C4-4BCD-93E2-E3B085C9AB24}">
-                  <p16:designElem xmlns:p16="http://schemas.microsoft.com/office/powerpoint/2015/main" val="1"/>
-                </p:ext>
-              </p:extLst>
-            </p:nvPr>
-          </p:nvSpPr>
-          <p:spPr>
-            <a:xfrm>
-              <a:off x="9181476" y="-8467"/>
-              <a:ext cx="3007349" cy="6866467"/>
-            </a:xfrm>
-            <a:custGeom>
-              <a:avLst/>
-              <a:gdLst/>
-              <a:ahLst/>
-              <a:cxnLst/>
-              <a:rect l="l" t="t" r="r" b="b"/>
-              <a:pathLst>
-                <a:path w="3007349" h="6866467">
-                  <a:moveTo>
-                    <a:pt x="2045532" y="0"/>
-                  </a:moveTo>
-                  <a:lnTo>
-                    <a:pt x="3007349" y="0"/>
-                  </a:lnTo>
-                  <a:lnTo>
-                    <a:pt x="3007349" y="6866467"/>
-                  </a:lnTo>
-                  <a:lnTo>
-                    <a:pt x="0" y="6866467"/>
-                  </a:lnTo>
-                  <a:lnTo>
-                    <a:pt x="2045532" y="0"/>
-                  </a:lnTo>
-                  <a:close/>
-                </a:path>
-              </a:pathLst>
-            </a:custGeom>
-            <a:solidFill>
-              <a:schemeClr val="accent1">
-                <a:alpha val="30000"/>
-              </a:schemeClr>
-            </a:solidFill>
-            <a:ln>
-              <a:noFill/>
-            </a:ln>
-            <a:effectLst/>
-          </p:spPr>
-          <p:style>
-            <a:lnRef idx="1">
-              <a:schemeClr val="accent1"/>
-            </a:lnRef>
-            <a:fillRef idx="3">
-              <a:schemeClr val="accent1"/>
-            </a:fillRef>
-            <a:effectRef idx="2">
-              <a:schemeClr val="accent1"/>
-            </a:effectRef>
-            <a:fontRef idx="minor">
-              <a:schemeClr val="lt1"/>
-            </a:fontRef>
-          </p:style>
-        </p:sp>
-        <p:sp>
-          <p:nvSpPr>
-            <p:cNvPr id="42" name="Rectangle 25">
-              <a:extLst>
-                <a:ext uri="{FF2B5EF4-FFF2-40B4-BE49-F238E27FC236}">
-                  <a16:creationId xmlns:a16="http://schemas.microsoft.com/office/drawing/2014/main" id="{B6D53C7D-A312-47B6-A66A-230A19CFACA6}"/>
-                </a:ext>
-                <a:ext uri="{C183D7F6-B498-43B3-948B-1728B52AA6E4}">
-                  <adec:decorative xmlns:adec="http://schemas.microsoft.com/office/drawing/2017/decorative" val="1"/>
-                </a:ext>
-              </a:extLst>
-            </p:cNvPr>
-            <p:cNvSpPr/>
-            <p:nvPr>
-              <p:extLst>
-                <p:ext uri="{386F3935-93C4-4BCD-93E2-E3B085C9AB24}">
-                  <p16:designElem xmlns:p16="http://schemas.microsoft.com/office/powerpoint/2015/main" val="1"/>
-                </p:ext>
-              </p:extLst>
-            </p:nvPr>
-          </p:nvSpPr>
-          <p:spPr>
-            <a:xfrm>
-              <a:off x="9603442" y="-8467"/>
-              <a:ext cx="2588558" cy="6866467"/>
-            </a:xfrm>
-            <a:custGeom>
-              <a:avLst/>
-              <a:gdLst/>
-              <a:ahLst/>
-              <a:cxnLst/>
-              <a:rect l="l" t="t" r="r" b="b"/>
-              <a:pathLst>
-                <a:path w="2573311" h="6866467">
-                  <a:moveTo>
-                    <a:pt x="0" y="0"/>
-                  </a:moveTo>
-                  <a:lnTo>
-                    <a:pt x="2573311" y="0"/>
-                  </a:lnTo>
-                  <a:lnTo>
-                    <a:pt x="2573311" y="6866467"/>
-                  </a:lnTo>
-                  <a:lnTo>
-                    <a:pt x="1202336" y="6866467"/>
-                  </a:lnTo>
-                  <a:lnTo>
-                    <a:pt x="0" y="0"/>
-                  </a:lnTo>
-                  <a:close/>
-                </a:path>
-              </a:pathLst>
-            </a:custGeom>
-            <a:solidFill>
-              <a:schemeClr val="accent1">
-                <a:alpha val="20000"/>
-              </a:schemeClr>
-            </a:solidFill>
-            <a:ln>
-              <a:noFill/>
-            </a:ln>
-            <a:effectLst/>
-          </p:spPr>
-          <p:style>
-            <a:lnRef idx="1">
-              <a:schemeClr val="accent1"/>
-            </a:lnRef>
-            <a:fillRef idx="3">
-              <a:schemeClr val="accent1"/>
-            </a:fillRef>
-            <a:effectRef idx="2">
-              <a:schemeClr val="accent1"/>
-            </a:effectRef>
-            <a:fontRef idx="minor">
-              <a:schemeClr val="lt1"/>
-            </a:fontRef>
-          </p:style>
-        </p:sp>
-        <p:sp>
-          <p:nvSpPr>
-            <p:cNvPr id="43" name="Isosceles Triangle 42">
-              <a:extLst>
-                <a:ext uri="{FF2B5EF4-FFF2-40B4-BE49-F238E27FC236}">
-                  <a16:creationId xmlns:a16="http://schemas.microsoft.com/office/drawing/2014/main" id="{9329D58C-0D2E-4A2B-AD6A-9CEE506784A8}"/>
-                </a:ext>
-                <a:ext uri="{C183D7F6-B498-43B3-948B-1728B52AA6E4}">
-                  <adec:decorative xmlns:adec="http://schemas.microsoft.com/office/drawing/2017/decorative" val="1"/>
-                </a:ext>
-              </a:extLst>
-            </p:cNvPr>
-            <p:cNvSpPr/>
-            <p:nvPr>
-              <p:extLst>
-                <p:ext uri="{386F3935-93C4-4BCD-93E2-E3B085C9AB24}">
-                  <p16:designElem xmlns:p16="http://schemas.microsoft.com/office/powerpoint/2015/main" val="1"/>
-                </p:ext>
-              </p:extLst>
-            </p:nvPr>
-          </p:nvSpPr>
-          <p:spPr>
-            <a:xfrm>
-              <a:off x="8932333" y="3048000"/>
-              <a:ext cx="3259667" cy="3810000"/>
-            </a:xfrm>
-            <a:prstGeom prst="triangle">
-              <a:avLst>
-                <a:gd name="adj" fmla="val 100000"/>
-              </a:avLst>
-            </a:prstGeom>
-            <a:solidFill>
-              <a:schemeClr val="accent2">
-                <a:alpha val="72000"/>
-              </a:schemeClr>
-            </a:solidFill>
-            <a:ln>
-              <a:noFill/>
-            </a:ln>
-            <a:effectLst/>
-          </p:spPr>
-          <p:style>
-            <a:lnRef idx="1">
-              <a:schemeClr val="accent1"/>
-            </a:lnRef>
-            <a:fillRef idx="3">
-              <a:schemeClr val="accent1"/>
-            </a:fillRef>
-            <a:effectRef idx="2">
-              <a:schemeClr val="accent1"/>
-            </a:effectRef>
-            <a:fontRef idx="minor">
-              <a:schemeClr val="lt1"/>
-            </a:fontRef>
-          </p:style>
-        </p:sp>
-        <p:sp>
-          <p:nvSpPr>
-            <p:cNvPr id="44" name="Rectangle 27">
-              <a:extLst>
-                <a:ext uri="{FF2B5EF4-FFF2-40B4-BE49-F238E27FC236}">
-                  <a16:creationId xmlns:a16="http://schemas.microsoft.com/office/drawing/2014/main" id="{9D446EDE-C690-4461-8BF2-7634808FC8B4}"/>
-                </a:ext>
-                <a:ext uri="{C183D7F6-B498-43B3-948B-1728B52AA6E4}">
-                  <adec:decorative xmlns:adec="http://schemas.microsoft.com/office/drawing/2017/decorative" val="1"/>
-                </a:ext>
-              </a:extLst>
-            </p:cNvPr>
-            <p:cNvSpPr/>
-            <p:nvPr>
-              <p:extLst>
-                <p:ext uri="{386F3935-93C4-4BCD-93E2-E3B085C9AB24}">
-                  <p16:designElem xmlns:p16="http://schemas.microsoft.com/office/powerpoint/2015/main" val="1"/>
-                </p:ext>
-              </p:extLst>
-            </p:nvPr>
-          </p:nvSpPr>
-          <p:spPr>
-            <a:xfrm>
-              <a:off x="9334500" y="-8467"/>
-              <a:ext cx="2854326" cy="6866467"/>
-            </a:xfrm>
-            <a:custGeom>
-              <a:avLst/>
-              <a:gdLst/>
-              <a:ahLst/>
-              <a:cxnLst/>
-              <a:rect l="l" t="t" r="r" b="b"/>
-              <a:pathLst>
-                <a:path w="2858013" h="6866467">
-                  <a:moveTo>
-                    <a:pt x="0" y="0"/>
-                  </a:moveTo>
-                  <a:lnTo>
-                    <a:pt x="2858013" y="0"/>
-                  </a:lnTo>
-                  <a:lnTo>
-                    <a:pt x="2858013" y="6866467"/>
-                  </a:lnTo>
-                  <a:lnTo>
-                    <a:pt x="2473942" y="6866467"/>
-                  </a:lnTo>
-                  <a:lnTo>
-                    <a:pt x="0" y="0"/>
-                  </a:lnTo>
-                  <a:close/>
-                </a:path>
-              </a:pathLst>
-            </a:custGeom>
-            <a:solidFill>
-              <a:schemeClr val="accent2">
-                <a:lumMod val="75000"/>
-                <a:alpha val="70000"/>
-              </a:schemeClr>
-            </a:solidFill>
-            <a:ln>
-              <a:noFill/>
-            </a:ln>
-            <a:effectLst/>
-          </p:spPr>
-          <p:style>
-            <a:lnRef idx="1">
-              <a:schemeClr val="accent1"/>
-            </a:lnRef>
-            <a:fillRef idx="3">
-              <a:schemeClr val="accent1"/>
-            </a:fillRef>
-            <a:effectRef idx="2">
-              <a:schemeClr val="accent1"/>
-            </a:effectRef>
-            <a:fontRef idx="minor">
-              <a:schemeClr val="lt1"/>
-            </a:fontRef>
-          </p:style>
-        </p:sp>
-        <p:sp>
-          <p:nvSpPr>
-            <p:cNvPr id="45" name="Rectangle 28">
-              <a:extLst>
-                <a:ext uri="{FF2B5EF4-FFF2-40B4-BE49-F238E27FC236}">
-                  <a16:creationId xmlns:a16="http://schemas.microsoft.com/office/drawing/2014/main" id="{323F3D34-6531-4AD7-A8C6-195A090281A1}"/>
-                </a:ext>
-                <a:ext uri="{C183D7F6-B498-43B3-948B-1728B52AA6E4}">
-                  <adec:decorative xmlns:adec="http://schemas.microsoft.com/office/drawing/2017/decorative" val="1"/>
-                </a:ext>
-              </a:extLst>
-            </p:cNvPr>
-            <p:cNvSpPr/>
-            <p:nvPr>
-              <p:extLst>
-                <p:ext uri="{386F3935-93C4-4BCD-93E2-E3B085C9AB24}">
-                  <p16:designElem xmlns:p16="http://schemas.microsoft.com/office/powerpoint/2015/main" val="1"/>
-                </p:ext>
-              </p:extLst>
-            </p:nvPr>
-          </p:nvSpPr>
-          <p:spPr>
-            <a:xfrm>
-              <a:off x="10898730" y="-8467"/>
-              <a:ext cx="1290094" cy="6866467"/>
-            </a:xfrm>
-            <a:custGeom>
-              <a:avLst/>
-              <a:gdLst/>
-              <a:ahLst/>
-              <a:cxnLst/>
-              <a:rect l="l" t="t" r="r" b="b"/>
-              <a:pathLst>
-                <a:path w="1290094" h="6858000">
-                  <a:moveTo>
-                    <a:pt x="1019735" y="0"/>
-                  </a:moveTo>
-                  <a:lnTo>
-                    <a:pt x="1290094" y="0"/>
-                  </a:lnTo>
-                  <a:lnTo>
-                    <a:pt x="1290094" y="6858000"/>
-                  </a:lnTo>
-                  <a:lnTo>
-                    <a:pt x="0" y="6858000"/>
-                  </a:lnTo>
-                  <a:lnTo>
-                    <a:pt x="1019735" y="0"/>
-                  </a:lnTo>
-                  <a:close/>
-                </a:path>
-              </a:pathLst>
-            </a:custGeom>
-            <a:solidFill>
-              <a:schemeClr val="accent1">
-                <a:lumMod val="60000"/>
-                <a:lumOff val="40000"/>
-                <a:alpha val="70000"/>
-              </a:schemeClr>
-            </a:solidFill>
-            <a:ln>
-              <a:noFill/>
-            </a:ln>
-            <a:effectLst/>
-          </p:spPr>
-          <p:style>
-            <a:lnRef idx="1">
-              <a:schemeClr val="accent1"/>
-            </a:lnRef>
-            <a:fillRef idx="3">
-              <a:schemeClr val="accent1"/>
-            </a:fillRef>
-            <a:effectRef idx="2">
-              <a:schemeClr val="accent1"/>
-            </a:effectRef>
-            <a:fontRef idx="minor">
-              <a:schemeClr val="lt1"/>
-            </a:fontRef>
-          </p:style>
-        </p:sp>
-        <p:sp>
-          <p:nvSpPr>
-            <p:cNvPr id="46" name="Rectangle 29">
-              <a:extLst>
-                <a:ext uri="{FF2B5EF4-FFF2-40B4-BE49-F238E27FC236}">
-                  <a16:creationId xmlns:a16="http://schemas.microsoft.com/office/drawing/2014/main" id="{B9B0AE3F-2350-435F-A9B0-C310BF876385}"/>
-                </a:ext>
-                <a:ext uri="{C183D7F6-B498-43B3-948B-1728B52AA6E4}">
-                  <adec:decorative xmlns:adec="http://schemas.microsoft.com/office/drawing/2017/decorative" val="1"/>
-                </a:ext>
-              </a:extLst>
-            </p:cNvPr>
-            <p:cNvSpPr/>
-            <p:nvPr>
-              <p:extLst>
-                <p:ext uri="{386F3935-93C4-4BCD-93E2-E3B085C9AB24}">
-                  <p16:designElem xmlns:p16="http://schemas.microsoft.com/office/powerpoint/2015/main" val="1"/>
-                </p:ext>
-              </p:extLst>
-            </p:nvPr>
-          </p:nvSpPr>
-          <p:spPr>
-            <a:xfrm>
-              <a:off x="10938999" y="-8467"/>
-              <a:ext cx="1249825" cy="6866467"/>
-            </a:xfrm>
-            <a:custGeom>
-              <a:avLst/>
-              <a:gdLst/>
-              <a:ahLst/>
-              <a:cxnLst/>
-              <a:rect l="l" t="t" r="r" b="b"/>
-              <a:pathLst>
-                <a:path w="1249825" h="6858000">
-                  <a:moveTo>
-                    <a:pt x="0" y="0"/>
-                  </a:moveTo>
-                  <a:lnTo>
-                    <a:pt x="1249825" y="0"/>
-                  </a:lnTo>
-                  <a:lnTo>
-                    <a:pt x="1249825" y="6858000"/>
-                  </a:lnTo>
-                  <a:lnTo>
-                    <a:pt x="1109382" y="6858000"/>
-                  </a:lnTo>
-                  <a:lnTo>
-                    <a:pt x="0" y="0"/>
-                  </a:lnTo>
-                  <a:close/>
-                </a:path>
-              </a:pathLst>
-            </a:custGeom>
-            <a:solidFill>
-              <a:schemeClr val="accent1">
-                <a:alpha val="65000"/>
-              </a:schemeClr>
-            </a:solidFill>
-            <a:ln>
-              <a:noFill/>
-            </a:ln>
-            <a:effectLst/>
-          </p:spPr>
-          <p:style>
-            <a:lnRef idx="1">
-              <a:schemeClr val="accent1"/>
-            </a:lnRef>
-            <a:fillRef idx="3">
-              <a:schemeClr val="accent1"/>
-            </a:fillRef>
-            <a:effectRef idx="2">
-              <a:schemeClr val="accent1"/>
-            </a:effectRef>
-            <a:fontRef idx="minor">
-              <a:schemeClr val="lt1"/>
-            </a:fontRef>
-          </p:style>
-        </p:sp>
-        <p:sp>
-          <p:nvSpPr>
-            <p:cNvPr id="47" name="Isosceles Triangle 46">
-              <a:extLst>
-                <a:ext uri="{FF2B5EF4-FFF2-40B4-BE49-F238E27FC236}">
-                  <a16:creationId xmlns:a16="http://schemas.microsoft.com/office/drawing/2014/main" id="{4EFA655C-9E50-4C14-A89E-AD7B648E4E2B}"/>
-                </a:ext>
-                <a:ext uri="{C183D7F6-B498-43B3-948B-1728B52AA6E4}">
-                  <adec:decorative xmlns:adec="http://schemas.microsoft.com/office/drawing/2017/decorative" val="1"/>
-                </a:ext>
-              </a:extLst>
-            </p:cNvPr>
-            <p:cNvSpPr/>
-            <p:nvPr>
-              <p:extLst>
-                <p:ext uri="{386F3935-93C4-4BCD-93E2-E3B085C9AB24}">
-                  <p16:designElem xmlns:p16="http://schemas.microsoft.com/office/powerpoint/2015/main" val="1"/>
-                </p:ext>
-              </p:extLst>
-            </p:nvPr>
-          </p:nvSpPr>
-          <p:spPr>
-            <a:xfrm>
-              <a:off x="10371666" y="3589867"/>
-              <a:ext cx="1817159" cy="3268133"/>
-            </a:xfrm>
-            <a:prstGeom prst="triangle">
-              <a:avLst>
-                <a:gd name="adj" fmla="val 100000"/>
-              </a:avLst>
-            </a:prstGeom>
-            <a:solidFill>
-              <a:schemeClr val="accent1">
-                <a:alpha val="80000"/>
-              </a:schemeClr>
-            </a:solidFill>
-            <a:ln>
-              <a:noFill/>
-            </a:ln>
-            <a:effectLst/>
-          </p:spPr>
-          <p:style>
-            <a:lnRef idx="1">
-              <a:schemeClr val="accent1"/>
-            </a:lnRef>
-            <a:fillRef idx="3">
-              <a:schemeClr val="accent1"/>
-            </a:fillRef>
-            <a:effectRef idx="2">
-              <a:schemeClr val="accent1"/>
-            </a:effectRef>
-            <a:fontRef idx="minor">
-              <a:schemeClr val="lt1"/>
-            </a:fontRef>
-          </p:style>
-        </p:sp>
-        <p:sp>
-          <p:nvSpPr>
-            <p:cNvPr id="48" name="Isosceles Triangle 47">
-              <a:extLst>
-                <a:ext uri="{FF2B5EF4-FFF2-40B4-BE49-F238E27FC236}">
-                  <a16:creationId xmlns:a16="http://schemas.microsoft.com/office/drawing/2014/main" id="{3E843863-7D25-4C01-9A17-E817CB6D998A}"/>
-                </a:ext>
-                <a:ext uri="{C183D7F6-B498-43B3-948B-1728B52AA6E4}">
-                  <adec:decorative xmlns:adec="http://schemas.microsoft.com/office/drawing/2017/decorative" val="1"/>
-                </a:ext>
-              </a:extLst>
-            </p:cNvPr>
-            <p:cNvSpPr/>
-            <p:nvPr>
-              <p:extLst>
-                <p:ext uri="{386F3935-93C4-4BCD-93E2-E3B085C9AB24}">
-                  <p16:designElem xmlns:p16="http://schemas.microsoft.com/office/powerpoint/2015/main" val="1"/>
-                </p:ext>
-              </p:extLst>
-            </p:nvPr>
-          </p:nvSpPr>
-          <p:spPr>
-            <a:xfrm>
-              <a:off x="0" y="4013200"/>
-              <a:ext cx="448733" cy="2844800"/>
-            </a:xfrm>
-            <a:prstGeom prst="triangle">
-              <a:avLst>
-                <a:gd name="adj" fmla="val 0"/>
-              </a:avLst>
-            </a:prstGeom>
-            <a:solidFill>
-              <a:schemeClr val="accent1">
-                <a:alpha val="85000"/>
-              </a:schemeClr>
-            </a:solidFill>
-            <a:ln>
-              <a:noFill/>
-            </a:ln>
-            <a:effectLst/>
-          </p:spPr>
-          <p:style>
-            <a:lnRef idx="1">
-              <a:schemeClr val="accent1"/>
-            </a:lnRef>
-            <a:fillRef idx="3">
-              <a:schemeClr val="accent1"/>
-            </a:fillRef>
-            <a:effectRef idx="2">
-              <a:schemeClr val="accent1"/>
-            </a:effectRef>
-            <a:fontRef idx="minor">
-              <a:schemeClr val="lt1"/>
-            </a:fontRef>
-          </p:style>
-        </p:sp>
-      </p:grpSp>
-      <p:sp>
-        <p:nvSpPr>
-          <p:cNvPr id="50" name="Rectangle 49">
-            <a:extLst>
-              <a:ext uri="{FF2B5EF4-FFF2-40B4-BE49-F238E27FC236}">
-                <a16:creationId xmlns:a16="http://schemas.microsoft.com/office/drawing/2014/main" id="{7941F9B1-B01B-4A84-89D9-B169AEB4E456}"/>
-              </a:ext>
-              <a:ext uri="{C183D7F6-B498-43B3-948B-1728B52AA6E4}">
-                <adec:decorative xmlns:adec="http://schemas.microsoft.com/office/drawing/2017/decorative" val="1"/>
-              </a:ext>
-            </a:extLst>
-          </p:cNvPr>
-          <p:cNvSpPr>
-            <a:spLocks noGrp="1" noRot="1" noChangeAspect="1" noMove="1" noResize="1" noEditPoints="1" noAdjustHandles="1" noChangeArrowheads="1" noChangeShapeType="1" noTextEdit="1"/>
-          </p:cNvSpPr>
-          <p:nvPr>
-            <p:extLst>
-              <p:ext uri="{386F3935-93C4-4BCD-93E2-E3B085C9AB24}">
-                <p16:designElem xmlns:p16="http://schemas.microsoft.com/office/powerpoint/2015/main" val="1"/>
-              </p:ext>
-            </p:extLst>
-          </p:nvPr>
-        </p:nvSpPr>
-        <p:spPr>
-          <a:xfrm>
-            <a:off x="477012" y="480060"/>
-            <a:ext cx="11237976" cy="5897880"/>
-          </a:xfrm>
-          <a:prstGeom prst="rect">
-            <a:avLst/>
-          </a:prstGeom>
-          <a:solidFill>
-            <a:srgbClr val="FFFFFF"/>
-          </a:solidFill>
-          <a:ln w="9525">
-            <a:noFill/>
-          </a:ln>
-          <a:effectLst>
-            <a:outerShdw blurRad="63500" dist="17780" dir="5400000" algn="t" rotWithShape="0">
-              <a:prstClr val="black">
-                <a:alpha val="43000"/>
-              </a:prstClr>
-            </a:outerShdw>
-          </a:effectLst>
-        </p:spPr>
-        <p:style>
-          <a:lnRef idx="2">
-            <a:schemeClr val="accent1">
-              <a:shade val="50000"/>
-            </a:schemeClr>
-          </a:lnRef>
-          <a:fillRef idx="1">
-            <a:schemeClr val="accent1"/>
-          </a:fillRef>
-          <a:effectRef idx="0">
-            <a:schemeClr val="accent1"/>
-          </a:effectRef>
-          <a:fontRef idx="minor">
-            <a:schemeClr val="lt1"/>
-          </a:fontRef>
-        </p:style>
-        <p:txBody>
-          <a:bodyPr rtlCol="0" anchor="ctr"/>
-          <a:lstStyle/>
-          <a:p>
-            <a:pPr algn="ctr"/>
-            <a:endParaRPr lang="en-US"/>
-          </a:p>
-        </p:txBody>
-      </p:sp>
-      <p:pic>
-        <p:nvPicPr>
-          <p:cNvPr id="32" name="Image 31" descr="Une image contenant capture d’écran&#10;&#10;Description générée automatiquement">
-            <a:extLst>
-              <a:ext uri="{FF2B5EF4-FFF2-40B4-BE49-F238E27FC236}">
-                <a16:creationId xmlns:a16="http://schemas.microsoft.com/office/drawing/2014/main" id="{C40830B6-310B-41AB-8FFD-00A4A7892053}"/>
+                <a16:creationId xmlns:a16="http://schemas.microsoft.com/office/drawing/2014/main" id="{788D2088-1C5F-42C4-8B65-4C6D52A28235}"/>
               </a:ext>
             </a:extLst>
           </p:cNvPr>
@@ -6827,67 +6101,29 @@
         </p:blipFill>
         <p:spPr>
           <a:xfrm>
-            <a:off x="2016595" y="1131994"/>
-            <a:ext cx="8160687" cy="4590386"/>
+            <a:off x="643467" y="845171"/>
+            <a:ext cx="4824998" cy="1845561"/>
           </a:xfrm>
           <a:prstGeom prst="rect">
             <a:avLst/>
           </a:prstGeom>
         </p:spPr>
       </p:pic>
-    </p:spTree>
-    <p:extLst>
-      <p:ext uri="{BB962C8B-B14F-4D97-AF65-F5344CB8AC3E}">
-        <p14:creationId xmlns:p14="http://schemas.microsoft.com/office/powerpoint/2010/main" val="879897594"/>
-      </p:ext>
-    </p:extLst>
-  </p:cSld>
-  <p:clrMapOvr>
-    <a:masterClrMapping/>
-  </p:clrMapOvr>
-</p:sld>
-</file>
-
-<file path=ppt/slides/slide3.xml><?xml version="1.0" encoding="utf-8"?>
-<p:sld xmlns:a="http://schemas.openxmlformats.org/drawingml/2006/main" xmlns:r="http://schemas.openxmlformats.org/officeDocument/2006/relationships" xmlns:p="http://schemas.openxmlformats.org/presentationml/2006/main">
-  <p:cSld>
-    <p:bg>
-      <p:bgPr>
-        <a:solidFill>
-          <a:schemeClr val="bg1"/>
-        </a:solidFill>
-        <a:effectLst/>
-      </p:bgPr>
-    </p:bg>
-    <p:spTree>
-      <p:nvGrpSpPr>
-        <p:cNvPr id="1" name=""/>
-        <p:cNvGrpSpPr/>
-        <p:nvPr/>
-      </p:nvGrpSpPr>
-      <p:grpSpPr>
-        <a:xfrm>
-          <a:off x="0" y="0"/>
-          <a:ext cx="0" cy="0"/>
-          <a:chOff x="0" y="0"/>
-          <a:chExt cx="0" cy="0"/>
-        </a:xfrm>
-      </p:grpSpPr>
-      <p:sp>
-        <p:nvSpPr>
-          <p:cNvPr id="17" name="Rectangle 16">
+      <p:cxnSp>
+        <p:nvCxnSpPr>
+          <p:cNvPr id="55" name="Straight Connector 54">
             <a:extLst>
               <a:ext uri="{FF2B5EF4-FFF2-40B4-BE49-F238E27FC236}">
-                <a16:creationId xmlns:a16="http://schemas.microsoft.com/office/drawing/2014/main" id="{03E8462A-FEBA-4848-81CC-3F8DA3E477BE}"/>
+                <a16:creationId xmlns:a16="http://schemas.microsoft.com/office/drawing/2014/main" id="{B817B4B8-5E01-4B44-BC25-876D56C12149}"/>
               </a:ext>
               <a:ext uri="{C183D7F6-B498-43B3-948B-1728B52AA6E4}">
                 <adec:decorative xmlns:adec="http://schemas.microsoft.com/office/drawing/2017/decorative" val="1"/>
               </a:ext>
             </a:extLst>
           </p:cNvPr>
-          <p:cNvSpPr>
-            <a:spLocks noGrp="1" noRot="1" noChangeAspect="1" noMove="1" noResize="1" noEditPoints="1" noAdjustHandles="1" noChangeArrowheads="1" noChangeShapeType="1" noTextEdit="1"/>
-          </p:cNvSpPr>
+          <p:cNvCxnSpPr>
+            <a:cxnSpLocks noGrp="1" noRot="1" noChangeAspect="1" noMove="1" noResize="1" noEditPoints="1" noAdjustHandles="1" noChangeArrowheads="1" noChangeShapeType="1"/>
+          </p:cNvCxnSpPr>
           <p:nvPr>
             <p:extLst>
               <p:ext uri="{386F3935-93C4-4BCD-93E2-E3B085C9AB24}">
@@ -6895,768 +6131,45 @@
               </p:ext>
             </p:extLst>
           </p:nvPr>
-        </p:nvSpPr>
+        </p:nvCxnSpPr>
         <p:spPr>
           <a:xfrm>
-            <a:off x="0" y="0"/>
-            <a:ext cx="12188952" cy="6858000"/>
+            <a:off x="6096000" y="0"/>
+            <a:ext cx="0" cy="3200400"/>
           </a:xfrm>
-          <a:prstGeom prst="rect">
+          <a:prstGeom prst="line">
             <a:avLst/>
           </a:prstGeom>
-          <a:solidFill>
-            <a:schemeClr val="accent2"/>
-          </a:solidFill>
-          <a:ln>
-            <a:noFill/>
+          <a:ln w="38100">
+            <a:solidFill>
+              <a:schemeClr val="tx1">
+                <a:lumMod val="75000"/>
+                <a:lumOff val="25000"/>
+              </a:schemeClr>
+            </a:solidFill>
           </a:ln>
         </p:spPr>
         <p:style>
-          <a:lnRef idx="2">
-            <a:schemeClr val="accent1">
-              <a:shade val="50000"/>
-            </a:schemeClr>
+          <a:lnRef idx="1">
+            <a:schemeClr val="accent1"/>
           </a:lnRef>
-          <a:fillRef idx="1">
+          <a:fillRef idx="0">
             <a:schemeClr val="accent1"/>
           </a:fillRef>
           <a:effectRef idx="0">
             <a:schemeClr val="accent1"/>
           </a:effectRef>
           <a:fontRef idx="minor">
-            <a:schemeClr val="lt1"/>
+            <a:schemeClr val="tx1"/>
           </a:fontRef>
         </p:style>
-        <p:txBody>
-          <a:bodyPr rtlCol="0" anchor="ctr"/>
-          <a:lstStyle/>
-          <a:p>
-            <a:pPr algn="ctr"/>
-            <a:endParaRPr lang="en-US"/>
-          </a:p>
-        </p:txBody>
-      </p:sp>
-      <p:grpSp>
-        <p:nvGrpSpPr>
-          <p:cNvPr id="19" name="Group 18">
+      </p:cxnSp>
+      <p:pic>
+        <p:nvPicPr>
+          <p:cNvPr id="18" name="Image 17" descr="Une image contenant capture d’écran&#10;&#10;Description générée automatiquement">
             <a:extLst>
               <a:ext uri="{FF2B5EF4-FFF2-40B4-BE49-F238E27FC236}">
-                <a16:creationId xmlns:a16="http://schemas.microsoft.com/office/drawing/2014/main" id="{2109F83F-40FE-4DB3-84CC-09FB3340D06D}"/>
-              </a:ext>
-              <a:ext uri="{C183D7F6-B498-43B3-948B-1728B52AA6E4}">
-                <adec:decorative xmlns:adec="http://schemas.microsoft.com/office/drawing/2017/decorative" val="1"/>
-              </a:ext>
-            </a:extLst>
-          </p:cNvPr>
-          <p:cNvGrpSpPr>
-            <a:grpSpLocks noGrp="1" noUngrp="1" noRot="1" noChangeAspect="1" noMove="1" noResize="1"/>
-          </p:cNvGrpSpPr>
-          <p:nvPr>
-            <p:extLst>
-              <p:ext uri="{386F3935-93C4-4BCD-93E2-E3B085C9AB24}">
-                <p16:designElem xmlns:p16="http://schemas.microsoft.com/office/powerpoint/2015/main" val="1"/>
-              </p:ext>
-            </p:extLst>
-          </p:nvPr>
-        </p:nvGrpSpPr>
-        <p:grpSpPr>
-          <a:xfrm>
-            <a:off x="0" y="-8467"/>
-            <a:ext cx="12192000" cy="6866467"/>
-            <a:chOff x="0" y="-8467"/>
-            <a:chExt cx="12192000" cy="6866467"/>
-          </a:xfrm>
-        </p:grpSpPr>
-        <p:cxnSp>
-          <p:nvCxnSpPr>
-            <p:cNvPr id="20" name="Straight Connector 19">
-              <a:extLst>
-                <a:ext uri="{FF2B5EF4-FFF2-40B4-BE49-F238E27FC236}">
-                  <a16:creationId xmlns:a16="http://schemas.microsoft.com/office/drawing/2014/main" id="{1DE492D7-C3C3-48FF-80C8-37021EA0262F}"/>
-                </a:ext>
-                <a:ext uri="{C183D7F6-B498-43B3-948B-1728B52AA6E4}">
-                  <adec:decorative xmlns:adec="http://schemas.microsoft.com/office/drawing/2017/decorative" val="1"/>
-                </a:ext>
-              </a:extLst>
-            </p:cNvPr>
-            <p:cNvCxnSpPr/>
-            <p:nvPr>
-              <p:extLst>
-                <p:ext uri="{386F3935-93C4-4BCD-93E2-E3B085C9AB24}">
-                  <p16:designElem xmlns:p16="http://schemas.microsoft.com/office/powerpoint/2015/main" val="1"/>
-                </p:ext>
-              </p:extLst>
-            </p:nvPr>
-          </p:nvCxnSpPr>
-          <p:spPr>
-            <a:xfrm flipH="1">
-              <a:off x="7425267" y="3681413"/>
-              <a:ext cx="4763558" cy="3176587"/>
-            </a:xfrm>
-            <a:prstGeom prst="line">
-              <a:avLst/>
-            </a:prstGeom>
-            <a:ln w="9525">
-              <a:solidFill>
-                <a:schemeClr val="bg1">
-                  <a:lumMod val="85000"/>
-                </a:schemeClr>
-              </a:solidFill>
-            </a:ln>
-          </p:spPr>
-          <p:style>
-            <a:lnRef idx="2">
-              <a:schemeClr val="accent1"/>
-            </a:lnRef>
-            <a:fillRef idx="0">
-              <a:schemeClr val="accent1"/>
-            </a:fillRef>
-            <a:effectRef idx="1">
-              <a:schemeClr val="accent1"/>
-            </a:effectRef>
-            <a:fontRef idx="minor">
-              <a:schemeClr val="tx1"/>
-            </a:fontRef>
-          </p:style>
-        </p:cxnSp>
-        <p:sp>
-          <p:nvSpPr>
-            <p:cNvPr id="21" name="Rectangle 23">
-              <a:extLst>
-                <a:ext uri="{FF2B5EF4-FFF2-40B4-BE49-F238E27FC236}">
-                  <a16:creationId xmlns:a16="http://schemas.microsoft.com/office/drawing/2014/main" id="{0B30FF97-2E9A-490A-AED2-90BA2E0EC17F}"/>
-                </a:ext>
-                <a:ext uri="{C183D7F6-B498-43B3-948B-1728B52AA6E4}">
-                  <adec:decorative xmlns:adec="http://schemas.microsoft.com/office/drawing/2017/decorative" val="1"/>
-                </a:ext>
-              </a:extLst>
-            </p:cNvPr>
-            <p:cNvSpPr/>
-            <p:nvPr>
-              <p:extLst>
-                <p:ext uri="{386F3935-93C4-4BCD-93E2-E3B085C9AB24}">
-                  <p16:designElem xmlns:p16="http://schemas.microsoft.com/office/powerpoint/2015/main" val="1"/>
-                </p:ext>
-              </p:extLst>
-            </p:nvPr>
-          </p:nvSpPr>
-          <p:spPr>
-            <a:xfrm>
-              <a:off x="9181476" y="-8467"/>
-              <a:ext cx="3007349" cy="6866467"/>
-            </a:xfrm>
-            <a:custGeom>
-              <a:avLst/>
-              <a:gdLst/>
-              <a:ahLst/>
-              <a:cxnLst/>
-              <a:rect l="l" t="t" r="r" b="b"/>
-              <a:pathLst>
-                <a:path w="3007349" h="6866467">
-                  <a:moveTo>
-                    <a:pt x="2045532" y="0"/>
-                  </a:moveTo>
-                  <a:lnTo>
-                    <a:pt x="3007349" y="0"/>
-                  </a:lnTo>
-                  <a:lnTo>
-                    <a:pt x="3007349" y="6866467"/>
-                  </a:lnTo>
-                  <a:lnTo>
-                    <a:pt x="0" y="6866467"/>
-                  </a:lnTo>
-                  <a:lnTo>
-                    <a:pt x="2045532" y="0"/>
-                  </a:lnTo>
-                  <a:close/>
-                </a:path>
-              </a:pathLst>
-            </a:custGeom>
-            <a:solidFill>
-              <a:schemeClr val="accent1">
-                <a:alpha val="30000"/>
-              </a:schemeClr>
-            </a:solidFill>
-            <a:ln>
-              <a:noFill/>
-            </a:ln>
-            <a:effectLst/>
-          </p:spPr>
-          <p:style>
-            <a:lnRef idx="1">
-              <a:schemeClr val="accent1"/>
-            </a:lnRef>
-            <a:fillRef idx="3">
-              <a:schemeClr val="accent1"/>
-            </a:fillRef>
-            <a:effectRef idx="2">
-              <a:schemeClr val="accent1"/>
-            </a:effectRef>
-            <a:fontRef idx="minor">
-              <a:schemeClr val="lt1"/>
-            </a:fontRef>
-          </p:style>
-        </p:sp>
-        <p:sp>
-          <p:nvSpPr>
-            <p:cNvPr id="22" name="Rectangle 25">
-              <a:extLst>
-                <a:ext uri="{FF2B5EF4-FFF2-40B4-BE49-F238E27FC236}">
-                  <a16:creationId xmlns:a16="http://schemas.microsoft.com/office/drawing/2014/main" id="{B6D53C7D-A312-47B6-A66A-230A19CFACA6}"/>
-                </a:ext>
-                <a:ext uri="{C183D7F6-B498-43B3-948B-1728B52AA6E4}">
-                  <adec:decorative xmlns:adec="http://schemas.microsoft.com/office/drawing/2017/decorative" val="1"/>
-                </a:ext>
-              </a:extLst>
-            </p:cNvPr>
-            <p:cNvSpPr/>
-            <p:nvPr>
-              <p:extLst>
-                <p:ext uri="{386F3935-93C4-4BCD-93E2-E3B085C9AB24}">
-                  <p16:designElem xmlns:p16="http://schemas.microsoft.com/office/powerpoint/2015/main" val="1"/>
-                </p:ext>
-              </p:extLst>
-            </p:nvPr>
-          </p:nvSpPr>
-          <p:spPr>
-            <a:xfrm>
-              <a:off x="9603442" y="-8467"/>
-              <a:ext cx="2588558" cy="6866467"/>
-            </a:xfrm>
-            <a:custGeom>
-              <a:avLst/>
-              <a:gdLst/>
-              <a:ahLst/>
-              <a:cxnLst/>
-              <a:rect l="l" t="t" r="r" b="b"/>
-              <a:pathLst>
-                <a:path w="2573311" h="6866467">
-                  <a:moveTo>
-                    <a:pt x="0" y="0"/>
-                  </a:moveTo>
-                  <a:lnTo>
-                    <a:pt x="2573311" y="0"/>
-                  </a:lnTo>
-                  <a:lnTo>
-                    <a:pt x="2573311" y="6866467"/>
-                  </a:lnTo>
-                  <a:lnTo>
-                    <a:pt x="1202336" y="6866467"/>
-                  </a:lnTo>
-                  <a:lnTo>
-                    <a:pt x="0" y="0"/>
-                  </a:lnTo>
-                  <a:close/>
-                </a:path>
-              </a:pathLst>
-            </a:custGeom>
-            <a:solidFill>
-              <a:schemeClr val="accent1">
-                <a:alpha val="20000"/>
-              </a:schemeClr>
-            </a:solidFill>
-            <a:ln>
-              <a:noFill/>
-            </a:ln>
-            <a:effectLst/>
-          </p:spPr>
-          <p:style>
-            <a:lnRef idx="1">
-              <a:schemeClr val="accent1"/>
-            </a:lnRef>
-            <a:fillRef idx="3">
-              <a:schemeClr val="accent1"/>
-            </a:fillRef>
-            <a:effectRef idx="2">
-              <a:schemeClr val="accent1"/>
-            </a:effectRef>
-            <a:fontRef idx="minor">
-              <a:schemeClr val="lt1"/>
-            </a:fontRef>
-          </p:style>
-        </p:sp>
-        <p:sp>
-          <p:nvSpPr>
-            <p:cNvPr id="23" name="Isosceles Triangle 22">
-              <a:extLst>
-                <a:ext uri="{FF2B5EF4-FFF2-40B4-BE49-F238E27FC236}">
-                  <a16:creationId xmlns:a16="http://schemas.microsoft.com/office/drawing/2014/main" id="{9329D58C-0D2E-4A2B-AD6A-9CEE506784A8}"/>
-                </a:ext>
-                <a:ext uri="{C183D7F6-B498-43B3-948B-1728B52AA6E4}">
-                  <adec:decorative xmlns:adec="http://schemas.microsoft.com/office/drawing/2017/decorative" val="1"/>
-                </a:ext>
-              </a:extLst>
-            </p:cNvPr>
-            <p:cNvSpPr/>
-            <p:nvPr>
-              <p:extLst>
-                <p:ext uri="{386F3935-93C4-4BCD-93E2-E3B085C9AB24}">
-                  <p16:designElem xmlns:p16="http://schemas.microsoft.com/office/powerpoint/2015/main" val="1"/>
-                </p:ext>
-              </p:extLst>
-            </p:nvPr>
-          </p:nvSpPr>
-          <p:spPr>
-            <a:xfrm>
-              <a:off x="8932333" y="3048000"/>
-              <a:ext cx="3259667" cy="3810000"/>
-            </a:xfrm>
-            <a:prstGeom prst="triangle">
-              <a:avLst>
-                <a:gd name="adj" fmla="val 100000"/>
-              </a:avLst>
-            </a:prstGeom>
-            <a:solidFill>
-              <a:schemeClr val="accent2">
-                <a:alpha val="72000"/>
-              </a:schemeClr>
-            </a:solidFill>
-            <a:ln>
-              <a:noFill/>
-            </a:ln>
-            <a:effectLst/>
-          </p:spPr>
-          <p:style>
-            <a:lnRef idx="1">
-              <a:schemeClr val="accent1"/>
-            </a:lnRef>
-            <a:fillRef idx="3">
-              <a:schemeClr val="accent1"/>
-            </a:fillRef>
-            <a:effectRef idx="2">
-              <a:schemeClr val="accent1"/>
-            </a:effectRef>
-            <a:fontRef idx="minor">
-              <a:schemeClr val="lt1"/>
-            </a:fontRef>
-          </p:style>
-        </p:sp>
-        <p:sp>
-          <p:nvSpPr>
-            <p:cNvPr id="24" name="Rectangle 27">
-              <a:extLst>
-                <a:ext uri="{FF2B5EF4-FFF2-40B4-BE49-F238E27FC236}">
-                  <a16:creationId xmlns:a16="http://schemas.microsoft.com/office/drawing/2014/main" id="{9D446EDE-C690-4461-8BF2-7634808FC8B4}"/>
-                </a:ext>
-                <a:ext uri="{C183D7F6-B498-43B3-948B-1728B52AA6E4}">
-                  <adec:decorative xmlns:adec="http://schemas.microsoft.com/office/drawing/2017/decorative" val="1"/>
-                </a:ext>
-              </a:extLst>
-            </p:cNvPr>
-            <p:cNvSpPr/>
-            <p:nvPr>
-              <p:extLst>
-                <p:ext uri="{386F3935-93C4-4BCD-93E2-E3B085C9AB24}">
-                  <p16:designElem xmlns:p16="http://schemas.microsoft.com/office/powerpoint/2015/main" val="1"/>
-                </p:ext>
-              </p:extLst>
-            </p:nvPr>
-          </p:nvSpPr>
-          <p:spPr>
-            <a:xfrm>
-              <a:off x="9334500" y="-8467"/>
-              <a:ext cx="2854326" cy="6866467"/>
-            </a:xfrm>
-            <a:custGeom>
-              <a:avLst/>
-              <a:gdLst/>
-              <a:ahLst/>
-              <a:cxnLst/>
-              <a:rect l="l" t="t" r="r" b="b"/>
-              <a:pathLst>
-                <a:path w="2858013" h="6866467">
-                  <a:moveTo>
-                    <a:pt x="0" y="0"/>
-                  </a:moveTo>
-                  <a:lnTo>
-                    <a:pt x="2858013" y="0"/>
-                  </a:lnTo>
-                  <a:lnTo>
-                    <a:pt x="2858013" y="6866467"/>
-                  </a:lnTo>
-                  <a:lnTo>
-                    <a:pt x="2473942" y="6866467"/>
-                  </a:lnTo>
-                  <a:lnTo>
-                    <a:pt x="0" y="0"/>
-                  </a:lnTo>
-                  <a:close/>
-                </a:path>
-              </a:pathLst>
-            </a:custGeom>
-            <a:solidFill>
-              <a:schemeClr val="accent2">
-                <a:lumMod val="75000"/>
-                <a:alpha val="70000"/>
-              </a:schemeClr>
-            </a:solidFill>
-            <a:ln>
-              <a:noFill/>
-            </a:ln>
-            <a:effectLst/>
-          </p:spPr>
-          <p:style>
-            <a:lnRef idx="1">
-              <a:schemeClr val="accent1"/>
-            </a:lnRef>
-            <a:fillRef idx="3">
-              <a:schemeClr val="accent1"/>
-            </a:fillRef>
-            <a:effectRef idx="2">
-              <a:schemeClr val="accent1"/>
-            </a:effectRef>
-            <a:fontRef idx="minor">
-              <a:schemeClr val="lt1"/>
-            </a:fontRef>
-          </p:style>
-        </p:sp>
-        <p:sp>
-          <p:nvSpPr>
-            <p:cNvPr id="25" name="Rectangle 28">
-              <a:extLst>
-                <a:ext uri="{FF2B5EF4-FFF2-40B4-BE49-F238E27FC236}">
-                  <a16:creationId xmlns:a16="http://schemas.microsoft.com/office/drawing/2014/main" id="{323F3D34-6531-4AD7-A8C6-195A090281A1}"/>
-                </a:ext>
-                <a:ext uri="{C183D7F6-B498-43B3-948B-1728B52AA6E4}">
-                  <adec:decorative xmlns:adec="http://schemas.microsoft.com/office/drawing/2017/decorative" val="1"/>
-                </a:ext>
-              </a:extLst>
-            </p:cNvPr>
-            <p:cNvSpPr/>
-            <p:nvPr>
-              <p:extLst>
-                <p:ext uri="{386F3935-93C4-4BCD-93E2-E3B085C9AB24}">
-                  <p16:designElem xmlns:p16="http://schemas.microsoft.com/office/powerpoint/2015/main" val="1"/>
-                </p:ext>
-              </p:extLst>
-            </p:nvPr>
-          </p:nvSpPr>
-          <p:spPr>
-            <a:xfrm>
-              <a:off x="10898730" y="-8467"/>
-              <a:ext cx="1290094" cy="6866467"/>
-            </a:xfrm>
-            <a:custGeom>
-              <a:avLst/>
-              <a:gdLst/>
-              <a:ahLst/>
-              <a:cxnLst/>
-              <a:rect l="l" t="t" r="r" b="b"/>
-              <a:pathLst>
-                <a:path w="1290094" h="6858000">
-                  <a:moveTo>
-                    <a:pt x="1019735" y="0"/>
-                  </a:moveTo>
-                  <a:lnTo>
-                    <a:pt x="1290094" y="0"/>
-                  </a:lnTo>
-                  <a:lnTo>
-                    <a:pt x="1290094" y="6858000"/>
-                  </a:lnTo>
-                  <a:lnTo>
-                    <a:pt x="0" y="6858000"/>
-                  </a:lnTo>
-                  <a:lnTo>
-                    <a:pt x="1019735" y="0"/>
-                  </a:lnTo>
-                  <a:close/>
-                </a:path>
-              </a:pathLst>
-            </a:custGeom>
-            <a:solidFill>
-              <a:schemeClr val="accent1">
-                <a:lumMod val="60000"/>
-                <a:lumOff val="40000"/>
-                <a:alpha val="70000"/>
-              </a:schemeClr>
-            </a:solidFill>
-            <a:ln>
-              <a:noFill/>
-            </a:ln>
-            <a:effectLst/>
-          </p:spPr>
-          <p:style>
-            <a:lnRef idx="1">
-              <a:schemeClr val="accent1"/>
-            </a:lnRef>
-            <a:fillRef idx="3">
-              <a:schemeClr val="accent1"/>
-            </a:fillRef>
-            <a:effectRef idx="2">
-              <a:schemeClr val="accent1"/>
-            </a:effectRef>
-            <a:fontRef idx="minor">
-              <a:schemeClr val="lt1"/>
-            </a:fontRef>
-          </p:style>
-        </p:sp>
-        <p:sp>
-          <p:nvSpPr>
-            <p:cNvPr id="26" name="Rectangle 29">
-              <a:extLst>
-                <a:ext uri="{FF2B5EF4-FFF2-40B4-BE49-F238E27FC236}">
-                  <a16:creationId xmlns:a16="http://schemas.microsoft.com/office/drawing/2014/main" id="{B9B0AE3F-2350-435F-A9B0-C310BF876385}"/>
-                </a:ext>
-                <a:ext uri="{C183D7F6-B498-43B3-948B-1728B52AA6E4}">
-                  <adec:decorative xmlns:adec="http://schemas.microsoft.com/office/drawing/2017/decorative" val="1"/>
-                </a:ext>
-              </a:extLst>
-            </p:cNvPr>
-            <p:cNvSpPr/>
-            <p:nvPr>
-              <p:extLst>
-                <p:ext uri="{386F3935-93C4-4BCD-93E2-E3B085C9AB24}">
-                  <p16:designElem xmlns:p16="http://schemas.microsoft.com/office/powerpoint/2015/main" val="1"/>
-                </p:ext>
-              </p:extLst>
-            </p:nvPr>
-          </p:nvSpPr>
-          <p:spPr>
-            <a:xfrm>
-              <a:off x="10938999" y="-8467"/>
-              <a:ext cx="1249825" cy="6866467"/>
-            </a:xfrm>
-            <a:custGeom>
-              <a:avLst/>
-              <a:gdLst/>
-              <a:ahLst/>
-              <a:cxnLst/>
-              <a:rect l="l" t="t" r="r" b="b"/>
-              <a:pathLst>
-                <a:path w="1249825" h="6858000">
-                  <a:moveTo>
-                    <a:pt x="0" y="0"/>
-                  </a:moveTo>
-                  <a:lnTo>
-                    <a:pt x="1249825" y="0"/>
-                  </a:lnTo>
-                  <a:lnTo>
-                    <a:pt x="1249825" y="6858000"/>
-                  </a:lnTo>
-                  <a:lnTo>
-                    <a:pt x="1109382" y="6858000"/>
-                  </a:lnTo>
-                  <a:lnTo>
-                    <a:pt x="0" y="0"/>
-                  </a:lnTo>
-                  <a:close/>
-                </a:path>
-              </a:pathLst>
-            </a:custGeom>
-            <a:solidFill>
-              <a:schemeClr val="accent1">
-                <a:alpha val="65000"/>
-              </a:schemeClr>
-            </a:solidFill>
-            <a:ln>
-              <a:noFill/>
-            </a:ln>
-            <a:effectLst/>
-          </p:spPr>
-          <p:style>
-            <a:lnRef idx="1">
-              <a:schemeClr val="accent1"/>
-            </a:lnRef>
-            <a:fillRef idx="3">
-              <a:schemeClr val="accent1"/>
-            </a:fillRef>
-            <a:effectRef idx="2">
-              <a:schemeClr val="accent1"/>
-            </a:effectRef>
-            <a:fontRef idx="minor">
-              <a:schemeClr val="lt1"/>
-            </a:fontRef>
-          </p:style>
-        </p:sp>
-        <p:sp>
-          <p:nvSpPr>
-            <p:cNvPr id="27" name="Isosceles Triangle 26">
-              <a:extLst>
-                <a:ext uri="{FF2B5EF4-FFF2-40B4-BE49-F238E27FC236}">
-                  <a16:creationId xmlns:a16="http://schemas.microsoft.com/office/drawing/2014/main" id="{4EFA655C-9E50-4C14-A89E-AD7B648E4E2B}"/>
-                </a:ext>
-                <a:ext uri="{C183D7F6-B498-43B3-948B-1728B52AA6E4}">
-                  <adec:decorative xmlns:adec="http://schemas.microsoft.com/office/drawing/2017/decorative" val="1"/>
-                </a:ext>
-              </a:extLst>
-            </p:cNvPr>
-            <p:cNvSpPr/>
-            <p:nvPr>
-              <p:extLst>
-                <p:ext uri="{386F3935-93C4-4BCD-93E2-E3B085C9AB24}">
-                  <p16:designElem xmlns:p16="http://schemas.microsoft.com/office/powerpoint/2015/main" val="1"/>
-                </p:ext>
-              </p:extLst>
-            </p:nvPr>
-          </p:nvSpPr>
-          <p:spPr>
-            <a:xfrm>
-              <a:off x="10371666" y="3589867"/>
-              <a:ext cx="1817159" cy="3268133"/>
-            </a:xfrm>
-            <a:prstGeom prst="triangle">
-              <a:avLst>
-                <a:gd name="adj" fmla="val 100000"/>
-              </a:avLst>
-            </a:prstGeom>
-            <a:solidFill>
-              <a:schemeClr val="accent1">
-                <a:alpha val="80000"/>
-              </a:schemeClr>
-            </a:solidFill>
-            <a:ln>
-              <a:noFill/>
-            </a:ln>
-            <a:effectLst/>
-          </p:spPr>
-          <p:style>
-            <a:lnRef idx="1">
-              <a:schemeClr val="accent1"/>
-            </a:lnRef>
-            <a:fillRef idx="3">
-              <a:schemeClr val="accent1"/>
-            </a:fillRef>
-            <a:effectRef idx="2">
-              <a:schemeClr val="accent1"/>
-            </a:effectRef>
-            <a:fontRef idx="minor">
-              <a:schemeClr val="lt1"/>
-            </a:fontRef>
-          </p:style>
-        </p:sp>
-        <p:sp>
-          <p:nvSpPr>
-            <p:cNvPr id="28" name="Isosceles Triangle 27">
-              <a:extLst>
-                <a:ext uri="{FF2B5EF4-FFF2-40B4-BE49-F238E27FC236}">
-                  <a16:creationId xmlns:a16="http://schemas.microsoft.com/office/drawing/2014/main" id="{3E843863-7D25-4C01-9A17-E817CB6D998A}"/>
-                </a:ext>
-                <a:ext uri="{C183D7F6-B498-43B3-948B-1728B52AA6E4}">
-                  <adec:decorative xmlns:adec="http://schemas.microsoft.com/office/drawing/2017/decorative" val="1"/>
-                </a:ext>
-              </a:extLst>
-            </p:cNvPr>
-            <p:cNvSpPr/>
-            <p:nvPr>
-              <p:extLst>
-                <p:ext uri="{386F3935-93C4-4BCD-93E2-E3B085C9AB24}">
-                  <p16:designElem xmlns:p16="http://schemas.microsoft.com/office/powerpoint/2015/main" val="1"/>
-                </p:ext>
-              </p:extLst>
-            </p:nvPr>
-          </p:nvSpPr>
-          <p:spPr>
-            <a:xfrm>
-              <a:off x="0" y="4013200"/>
-              <a:ext cx="448733" cy="2844800"/>
-            </a:xfrm>
-            <a:prstGeom prst="triangle">
-              <a:avLst>
-                <a:gd name="adj" fmla="val 0"/>
-              </a:avLst>
-            </a:prstGeom>
-            <a:solidFill>
-              <a:schemeClr val="accent1">
-                <a:alpha val="85000"/>
-              </a:schemeClr>
-            </a:solidFill>
-            <a:ln>
-              <a:noFill/>
-            </a:ln>
-            <a:effectLst/>
-          </p:spPr>
-          <p:style>
-            <a:lnRef idx="1">
-              <a:schemeClr val="accent1"/>
-            </a:lnRef>
-            <a:fillRef idx="3">
-              <a:schemeClr val="accent1"/>
-            </a:fillRef>
-            <a:effectRef idx="2">
-              <a:schemeClr val="accent1"/>
-            </a:effectRef>
-            <a:fontRef idx="minor">
-              <a:schemeClr val="lt1"/>
-            </a:fontRef>
-          </p:style>
-        </p:sp>
-      </p:grpSp>
-      <p:sp>
-        <p:nvSpPr>
-          <p:cNvPr id="30" name="Rectangle 29">
-            <a:extLst>
-              <a:ext uri="{FF2B5EF4-FFF2-40B4-BE49-F238E27FC236}">
-                <a16:creationId xmlns:a16="http://schemas.microsoft.com/office/drawing/2014/main" id="{7941F9B1-B01B-4A84-89D9-B169AEB4E456}"/>
-              </a:ext>
-              <a:ext uri="{C183D7F6-B498-43B3-948B-1728B52AA6E4}">
-                <adec:decorative xmlns:adec="http://schemas.microsoft.com/office/drawing/2017/decorative" val="1"/>
-              </a:ext>
-            </a:extLst>
-          </p:cNvPr>
-          <p:cNvSpPr>
-            <a:spLocks noGrp="1" noRot="1" noChangeAspect="1" noMove="1" noResize="1" noEditPoints="1" noAdjustHandles="1" noChangeArrowheads="1" noChangeShapeType="1" noTextEdit="1"/>
-          </p:cNvSpPr>
-          <p:nvPr>
-            <p:extLst>
-              <p:ext uri="{386F3935-93C4-4BCD-93E2-E3B085C9AB24}">
-                <p16:designElem xmlns:p16="http://schemas.microsoft.com/office/powerpoint/2015/main" val="1"/>
-              </p:ext>
-            </p:extLst>
-          </p:nvPr>
-        </p:nvSpPr>
-        <p:spPr>
-          <a:xfrm>
-            <a:off x="477012" y="480060"/>
-            <a:ext cx="11237976" cy="5897880"/>
-          </a:xfrm>
-          <a:prstGeom prst="rect">
-            <a:avLst/>
-          </a:prstGeom>
-          <a:solidFill>
-            <a:srgbClr val="FFFFFF"/>
-          </a:solidFill>
-          <a:ln w="9525">
-            <a:noFill/>
-          </a:ln>
-          <a:effectLst>
-            <a:outerShdw blurRad="63500" dist="17780" dir="5400000" algn="t" rotWithShape="0">
-              <a:prstClr val="black">
-                <a:alpha val="43000"/>
-              </a:prstClr>
-            </a:outerShdw>
-          </a:effectLst>
-        </p:spPr>
-        <p:style>
-          <a:lnRef idx="2">
-            <a:schemeClr val="accent1">
-              <a:shade val="50000"/>
-            </a:schemeClr>
-          </a:lnRef>
-          <a:fillRef idx="1">
-            <a:schemeClr val="accent1"/>
-          </a:fillRef>
-          <a:effectRef idx="0">
-            <a:schemeClr val="accent1"/>
-          </a:effectRef>
-          <a:fontRef idx="minor">
-            <a:schemeClr val="lt1"/>
-          </a:fontRef>
-        </p:style>
-        <p:txBody>
-          <a:bodyPr rtlCol="0" anchor="ctr"/>
-          <a:lstStyle/>
-          <a:p>
-            <a:pPr algn="ctr"/>
-            <a:endParaRPr lang="en-US"/>
-          </a:p>
-        </p:txBody>
-      </p:sp>
-      <p:pic>
-        <p:nvPicPr>
-          <p:cNvPr id="12" name="Image 11" descr="Une image contenant capture d’écran&#10;&#10;Description générée automatiquement">
-            <a:extLst>
-              <a:ext uri="{FF2B5EF4-FFF2-40B4-BE49-F238E27FC236}">
-                <a16:creationId xmlns:a16="http://schemas.microsoft.com/office/drawing/2014/main" id="{FB6B871D-BEDB-45F1-B624-DBA9416C6947}"/>
+                <a16:creationId xmlns:a16="http://schemas.microsoft.com/office/drawing/2014/main" id="{B2208833-276D-4EE3-8A51-6F76DFA43860}"/>
               </a:ext>
             </a:extLst>
           </p:cNvPr>
@@ -7666,7 +6179,7 @@
           <p:nvPr/>
         </p:nvPicPr>
         <p:blipFill>
-          <a:blip r:embed="rId2">
+          <a:blip r:embed="rId3">
             <a:extLst>
               <a:ext uri="{28A0092B-C50C-407E-A947-70E740481C1C}">
                 <a14:useLocalDpi xmlns:a14="http://schemas.microsoft.com/office/drawing/2010/main" val="0"/>
@@ -7679,67 +6192,29 @@
         </p:blipFill>
         <p:spPr>
           <a:xfrm>
-            <a:off x="1412872" y="1131994"/>
-            <a:ext cx="9368133" cy="4590386"/>
+            <a:off x="6723536" y="760589"/>
+            <a:ext cx="4824995" cy="1990309"/>
           </a:xfrm>
           <a:prstGeom prst="rect">
             <a:avLst/>
           </a:prstGeom>
         </p:spPr>
       </p:pic>
-    </p:spTree>
-    <p:extLst>
-      <p:ext uri="{BB962C8B-B14F-4D97-AF65-F5344CB8AC3E}">
-        <p14:creationId xmlns:p14="http://schemas.microsoft.com/office/powerpoint/2010/main" val="1865929486"/>
-      </p:ext>
-    </p:extLst>
-  </p:cSld>
-  <p:clrMapOvr>
-    <a:masterClrMapping/>
-  </p:clrMapOvr>
-</p:sld>
-</file>
-
-<file path=ppt/slides/slide4.xml><?xml version="1.0" encoding="utf-8"?>
-<p:sld xmlns:a="http://schemas.openxmlformats.org/drawingml/2006/main" xmlns:r="http://schemas.openxmlformats.org/officeDocument/2006/relationships" xmlns:p="http://schemas.openxmlformats.org/presentationml/2006/main">
-  <p:cSld>
-    <p:bg>
-      <p:bgPr>
-        <a:solidFill>
-          <a:schemeClr val="bg1"/>
-        </a:solidFill>
-        <a:effectLst/>
-      </p:bgPr>
-    </p:bg>
-    <p:spTree>
-      <p:nvGrpSpPr>
-        <p:cNvPr id="1" name=""/>
-        <p:cNvGrpSpPr/>
-        <p:nvPr/>
-      </p:nvGrpSpPr>
-      <p:grpSpPr>
-        <a:xfrm>
-          <a:off x="0" y="0"/>
-          <a:ext cx="0" cy="0"/>
-          <a:chOff x="0" y="0"/>
-          <a:chExt cx="0" cy="0"/>
-        </a:xfrm>
-      </p:grpSpPr>
-      <p:sp>
-        <p:nvSpPr>
-          <p:cNvPr id="8" name="Rectangle 7">
+      <p:cxnSp>
+        <p:nvCxnSpPr>
+          <p:cNvPr id="57" name="Straight Connector 56">
             <a:extLst>
               <a:ext uri="{FF2B5EF4-FFF2-40B4-BE49-F238E27FC236}">
-                <a16:creationId xmlns:a16="http://schemas.microsoft.com/office/drawing/2014/main" id="{03E8462A-FEBA-4848-81CC-3F8DA3E477BE}"/>
+                <a16:creationId xmlns:a16="http://schemas.microsoft.com/office/drawing/2014/main" id="{D683D1A4-93E5-4A4D-B103-8223A220EB2B}"/>
               </a:ext>
               <a:ext uri="{C183D7F6-B498-43B3-948B-1728B52AA6E4}">
                 <adec:decorative xmlns:adec="http://schemas.microsoft.com/office/drawing/2017/decorative" val="1"/>
               </a:ext>
             </a:extLst>
           </p:cNvPr>
-          <p:cNvSpPr>
-            <a:spLocks noGrp="1" noRot="1" noChangeAspect="1" noMove="1" noResize="1" noEditPoints="1" noAdjustHandles="1" noChangeArrowheads="1" noChangeShapeType="1" noTextEdit="1"/>
-          </p:cNvSpPr>
+          <p:cNvCxnSpPr>
+            <a:cxnSpLocks noGrp="1" noRot="1" noChangeAspect="1" noMove="1" noResize="1" noEditPoints="1" noAdjustHandles="1" noChangeArrowheads="1" noChangeShapeType="1"/>
+          </p:cNvCxnSpPr>
           <p:nvPr>
             <p:extLst>
               <p:ext uri="{386F3935-93C4-4BCD-93E2-E3B085C9AB24}">
@@ -7747,62 +6222,54 @@
               </p:ext>
             </p:extLst>
           </p:nvPr>
-        </p:nvSpPr>
+        </p:nvCxnSpPr>
         <p:spPr>
           <a:xfrm>
-            <a:off x="0" y="0"/>
-            <a:ext cx="12188952" cy="6858000"/>
+            <a:off x="3621742" y="3200400"/>
+            <a:ext cx="0" cy="3657600"/>
           </a:xfrm>
-          <a:prstGeom prst="rect">
+          <a:prstGeom prst="line">
             <a:avLst/>
           </a:prstGeom>
-          <a:solidFill>
-            <a:schemeClr val="accent2"/>
-          </a:solidFill>
-          <a:ln>
-            <a:noFill/>
+          <a:ln w="38100">
+            <a:solidFill>
+              <a:schemeClr val="tx1">
+                <a:lumMod val="75000"/>
+                <a:lumOff val="25000"/>
+              </a:schemeClr>
+            </a:solidFill>
           </a:ln>
         </p:spPr>
         <p:style>
-          <a:lnRef idx="2">
-            <a:schemeClr val="accent1">
-              <a:shade val="50000"/>
-            </a:schemeClr>
+          <a:lnRef idx="1">
+            <a:schemeClr val="accent1"/>
           </a:lnRef>
-          <a:fillRef idx="1">
+          <a:fillRef idx="0">
             <a:schemeClr val="accent1"/>
           </a:fillRef>
           <a:effectRef idx="0">
             <a:schemeClr val="accent1"/>
           </a:effectRef>
           <a:fontRef idx="minor">
-            <a:schemeClr val="lt1"/>
+            <a:schemeClr val="tx1"/>
           </a:fontRef>
         </p:style>
-        <p:txBody>
-          <a:bodyPr rtlCol="0" anchor="ctr"/>
-          <a:lstStyle/>
-          <a:p>
-            <a:pPr algn="ctr"/>
-            <a:endParaRPr lang="en-US"/>
-          </a:p>
-        </p:txBody>
-      </p:sp>
-      <p:grpSp>
-        <p:nvGrpSpPr>
-          <p:cNvPr id="10" name="Group 9">
+      </p:cxnSp>
+      <p:cxnSp>
+        <p:nvCxnSpPr>
+          <p:cNvPr id="59" name="Straight Connector 58">
             <a:extLst>
               <a:ext uri="{FF2B5EF4-FFF2-40B4-BE49-F238E27FC236}">
-                <a16:creationId xmlns:a16="http://schemas.microsoft.com/office/drawing/2014/main" id="{2109F83F-40FE-4DB3-84CC-09FB3340D06D}"/>
+                <a16:creationId xmlns:a16="http://schemas.microsoft.com/office/drawing/2014/main" id="{B0E8ABF4-C289-489E-BEFB-3077F9D9C773}"/>
               </a:ext>
               <a:ext uri="{C183D7F6-B498-43B3-948B-1728B52AA6E4}">
                 <adec:decorative xmlns:adec="http://schemas.microsoft.com/office/drawing/2017/decorative" val="1"/>
               </a:ext>
             </a:extLst>
           </p:cNvPr>
-          <p:cNvGrpSpPr>
-            <a:grpSpLocks noGrp="1" noUngrp="1" noRot="1" noChangeAspect="1" noMove="1" noResize="1"/>
-          </p:cNvGrpSpPr>
+          <p:cNvCxnSpPr>
+            <a:cxnSpLocks noGrp="1" noRot="1" noChangeAspect="1" noMove="1" noResize="1" noEditPoints="1" noAdjustHandles="1" noChangeArrowheads="1" noChangeShapeType="1"/>
+          </p:cNvCxnSpPr>
           <p:nvPr>
             <p:extLst>
               <p:ext uri="{386F3935-93C4-4BCD-93E2-E3B085C9AB24}">
@@ -7810,644 +6277,54 @@
               </p:ext>
             </p:extLst>
           </p:nvPr>
-        </p:nvGrpSpPr>
-        <p:grpSpPr>
+        </p:nvCxnSpPr>
+        <p:spPr>
           <a:xfrm>
-            <a:off x="0" y="-8467"/>
-            <a:ext cx="12192000" cy="6866467"/>
-            <a:chOff x="0" y="-8467"/>
-            <a:chExt cx="12192000" cy="6866467"/>
+            <a:off x="8552330" y="3200400"/>
+            <a:ext cx="0" cy="3657600"/>
           </a:xfrm>
-        </p:grpSpPr>
-        <p:cxnSp>
-          <p:nvCxnSpPr>
-            <p:cNvPr id="11" name="Straight Connector 10">
-              <a:extLst>
-                <a:ext uri="{FF2B5EF4-FFF2-40B4-BE49-F238E27FC236}">
-                  <a16:creationId xmlns:a16="http://schemas.microsoft.com/office/drawing/2014/main" id="{1DE492D7-C3C3-48FF-80C8-37021EA0262F}"/>
-                </a:ext>
-                <a:ext uri="{C183D7F6-B498-43B3-948B-1728B52AA6E4}">
-                  <adec:decorative xmlns:adec="http://schemas.microsoft.com/office/drawing/2017/decorative" val="1"/>
-                </a:ext>
-              </a:extLst>
-            </p:cNvPr>
-            <p:cNvCxnSpPr/>
-            <p:nvPr>
-              <p:extLst>
-                <p:ext uri="{386F3935-93C4-4BCD-93E2-E3B085C9AB24}">
-                  <p16:designElem xmlns:p16="http://schemas.microsoft.com/office/powerpoint/2015/main" val="1"/>
-                </p:ext>
-              </p:extLst>
-            </p:nvPr>
-          </p:nvCxnSpPr>
-          <p:spPr>
-            <a:xfrm flipH="1">
-              <a:off x="7425267" y="3681413"/>
-              <a:ext cx="4763558" cy="3176587"/>
-            </a:xfrm>
-            <a:prstGeom prst="line">
-              <a:avLst/>
-            </a:prstGeom>
-            <a:ln w="9525">
-              <a:solidFill>
-                <a:schemeClr val="bg1">
-                  <a:lumMod val="85000"/>
-                </a:schemeClr>
-              </a:solidFill>
-            </a:ln>
-          </p:spPr>
-          <p:style>
-            <a:lnRef idx="2">
-              <a:schemeClr val="accent1"/>
-            </a:lnRef>
-            <a:fillRef idx="0">
-              <a:schemeClr val="accent1"/>
-            </a:fillRef>
-            <a:effectRef idx="1">
-              <a:schemeClr val="accent1"/>
-            </a:effectRef>
-            <a:fontRef idx="minor">
-              <a:schemeClr val="tx1"/>
-            </a:fontRef>
-          </p:style>
-        </p:cxnSp>
-        <p:sp>
-          <p:nvSpPr>
-            <p:cNvPr id="12" name="Rectangle 23">
-              <a:extLst>
-                <a:ext uri="{FF2B5EF4-FFF2-40B4-BE49-F238E27FC236}">
-                  <a16:creationId xmlns:a16="http://schemas.microsoft.com/office/drawing/2014/main" id="{0B30FF97-2E9A-490A-AED2-90BA2E0EC17F}"/>
-                </a:ext>
-                <a:ext uri="{C183D7F6-B498-43B3-948B-1728B52AA6E4}">
-                  <adec:decorative xmlns:adec="http://schemas.microsoft.com/office/drawing/2017/decorative" val="1"/>
-                </a:ext>
-              </a:extLst>
-            </p:cNvPr>
-            <p:cNvSpPr/>
-            <p:nvPr>
-              <p:extLst>
-                <p:ext uri="{386F3935-93C4-4BCD-93E2-E3B085C9AB24}">
-                  <p16:designElem xmlns:p16="http://schemas.microsoft.com/office/powerpoint/2015/main" val="1"/>
-                </p:ext>
-              </p:extLst>
-            </p:nvPr>
-          </p:nvSpPr>
-          <p:spPr>
-            <a:xfrm>
-              <a:off x="9181476" y="-8467"/>
-              <a:ext cx="3007349" cy="6866467"/>
-            </a:xfrm>
-            <a:custGeom>
-              <a:avLst/>
-              <a:gdLst/>
-              <a:ahLst/>
-              <a:cxnLst/>
-              <a:rect l="l" t="t" r="r" b="b"/>
-              <a:pathLst>
-                <a:path w="3007349" h="6866467">
-                  <a:moveTo>
-                    <a:pt x="2045532" y="0"/>
-                  </a:moveTo>
-                  <a:lnTo>
-                    <a:pt x="3007349" y="0"/>
-                  </a:lnTo>
-                  <a:lnTo>
-                    <a:pt x="3007349" y="6866467"/>
-                  </a:lnTo>
-                  <a:lnTo>
-                    <a:pt x="0" y="6866467"/>
-                  </a:lnTo>
-                  <a:lnTo>
-                    <a:pt x="2045532" y="0"/>
-                  </a:lnTo>
-                  <a:close/>
-                </a:path>
-              </a:pathLst>
-            </a:custGeom>
+          <a:prstGeom prst="line">
+            <a:avLst/>
+          </a:prstGeom>
+          <a:ln w="38100">
             <a:solidFill>
-              <a:schemeClr val="accent1">
-                <a:alpha val="30000"/>
+              <a:schemeClr val="tx1">
+                <a:lumMod val="75000"/>
+                <a:lumOff val="25000"/>
               </a:schemeClr>
             </a:solidFill>
-            <a:ln>
-              <a:noFill/>
-            </a:ln>
-            <a:effectLst/>
-          </p:spPr>
-          <p:style>
-            <a:lnRef idx="1">
-              <a:schemeClr val="accent1"/>
-            </a:lnRef>
-            <a:fillRef idx="3">
-              <a:schemeClr val="accent1"/>
-            </a:fillRef>
-            <a:effectRef idx="2">
-              <a:schemeClr val="accent1"/>
-            </a:effectRef>
-            <a:fontRef idx="minor">
-              <a:schemeClr val="lt1"/>
-            </a:fontRef>
-          </p:style>
-        </p:sp>
-        <p:sp>
-          <p:nvSpPr>
-            <p:cNvPr id="13" name="Rectangle 25">
-              <a:extLst>
-                <a:ext uri="{FF2B5EF4-FFF2-40B4-BE49-F238E27FC236}">
-                  <a16:creationId xmlns:a16="http://schemas.microsoft.com/office/drawing/2014/main" id="{B6D53C7D-A312-47B6-A66A-230A19CFACA6}"/>
-                </a:ext>
-                <a:ext uri="{C183D7F6-B498-43B3-948B-1728B52AA6E4}">
-                  <adec:decorative xmlns:adec="http://schemas.microsoft.com/office/drawing/2017/decorative" val="1"/>
-                </a:ext>
-              </a:extLst>
-            </p:cNvPr>
-            <p:cNvSpPr/>
-            <p:nvPr>
-              <p:extLst>
-                <p:ext uri="{386F3935-93C4-4BCD-93E2-E3B085C9AB24}">
-                  <p16:designElem xmlns:p16="http://schemas.microsoft.com/office/powerpoint/2015/main" val="1"/>
-                </p:ext>
-              </p:extLst>
-            </p:nvPr>
-          </p:nvSpPr>
-          <p:spPr>
-            <a:xfrm>
-              <a:off x="9603442" y="-8467"/>
-              <a:ext cx="2588558" cy="6866467"/>
-            </a:xfrm>
-            <a:custGeom>
-              <a:avLst/>
-              <a:gdLst/>
-              <a:ahLst/>
-              <a:cxnLst/>
-              <a:rect l="l" t="t" r="r" b="b"/>
-              <a:pathLst>
-                <a:path w="2573311" h="6866467">
-                  <a:moveTo>
-                    <a:pt x="0" y="0"/>
-                  </a:moveTo>
-                  <a:lnTo>
-                    <a:pt x="2573311" y="0"/>
-                  </a:lnTo>
-                  <a:lnTo>
-                    <a:pt x="2573311" y="6866467"/>
-                  </a:lnTo>
-                  <a:lnTo>
-                    <a:pt x="1202336" y="6866467"/>
-                  </a:lnTo>
-                  <a:lnTo>
-                    <a:pt x="0" y="0"/>
-                  </a:lnTo>
-                  <a:close/>
-                </a:path>
-              </a:pathLst>
-            </a:custGeom>
-            <a:solidFill>
-              <a:schemeClr val="accent1">
-                <a:alpha val="20000"/>
-              </a:schemeClr>
-            </a:solidFill>
-            <a:ln>
-              <a:noFill/>
-            </a:ln>
-            <a:effectLst/>
-          </p:spPr>
-          <p:style>
-            <a:lnRef idx="1">
-              <a:schemeClr val="accent1"/>
-            </a:lnRef>
-            <a:fillRef idx="3">
-              <a:schemeClr val="accent1"/>
-            </a:fillRef>
-            <a:effectRef idx="2">
-              <a:schemeClr val="accent1"/>
-            </a:effectRef>
-            <a:fontRef idx="minor">
-              <a:schemeClr val="lt1"/>
-            </a:fontRef>
-          </p:style>
-        </p:sp>
-        <p:sp>
-          <p:nvSpPr>
-            <p:cNvPr id="14" name="Isosceles Triangle 13">
-              <a:extLst>
-                <a:ext uri="{FF2B5EF4-FFF2-40B4-BE49-F238E27FC236}">
-                  <a16:creationId xmlns:a16="http://schemas.microsoft.com/office/drawing/2014/main" id="{9329D58C-0D2E-4A2B-AD6A-9CEE506784A8}"/>
-                </a:ext>
-                <a:ext uri="{C183D7F6-B498-43B3-948B-1728B52AA6E4}">
-                  <adec:decorative xmlns:adec="http://schemas.microsoft.com/office/drawing/2017/decorative" val="1"/>
-                </a:ext>
-              </a:extLst>
-            </p:cNvPr>
-            <p:cNvSpPr/>
-            <p:nvPr>
-              <p:extLst>
-                <p:ext uri="{386F3935-93C4-4BCD-93E2-E3B085C9AB24}">
-                  <p16:designElem xmlns:p16="http://schemas.microsoft.com/office/powerpoint/2015/main" val="1"/>
-                </p:ext>
-              </p:extLst>
-            </p:nvPr>
-          </p:nvSpPr>
-          <p:spPr>
-            <a:xfrm>
-              <a:off x="8932333" y="3048000"/>
-              <a:ext cx="3259667" cy="3810000"/>
-            </a:xfrm>
-            <a:prstGeom prst="triangle">
-              <a:avLst>
-                <a:gd name="adj" fmla="val 100000"/>
-              </a:avLst>
-            </a:prstGeom>
-            <a:solidFill>
-              <a:schemeClr val="accent2">
-                <a:alpha val="72000"/>
-              </a:schemeClr>
-            </a:solidFill>
-            <a:ln>
-              <a:noFill/>
-            </a:ln>
-            <a:effectLst/>
-          </p:spPr>
-          <p:style>
-            <a:lnRef idx="1">
-              <a:schemeClr val="accent1"/>
-            </a:lnRef>
-            <a:fillRef idx="3">
-              <a:schemeClr val="accent1"/>
-            </a:fillRef>
-            <a:effectRef idx="2">
-              <a:schemeClr val="accent1"/>
-            </a:effectRef>
-            <a:fontRef idx="minor">
-              <a:schemeClr val="lt1"/>
-            </a:fontRef>
-          </p:style>
-        </p:sp>
-        <p:sp>
-          <p:nvSpPr>
-            <p:cNvPr id="15" name="Rectangle 27">
-              <a:extLst>
-                <a:ext uri="{FF2B5EF4-FFF2-40B4-BE49-F238E27FC236}">
-                  <a16:creationId xmlns:a16="http://schemas.microsoft.com/office/drawing/2014/main" id="{9D446EDE-C690-4461-8BF2-7634808FC8B4}"/>
-                </a:ext>
-                <a:ext uri="{C183D7F6-B498-43B3-948B-1728B52AA6E4}">
-                  <adec:decorative xmlns:adec="http://schemas.microsoft.com/office/drawing/2017/decorative" val="1"/>
-                </a:ext>
-              </a:extLst>
-            </p:cNvPr>
-            <p:cNvSpPr/>
-            <p:nvPr>
-              <p:extLst>
-                <p:ext uri="{386F3935-93C4-4BCD-93E2-E3B085C9AB24}">
-                  <p16:designElem xmlns:p16="http://schemas.microsoft.com/office/powerpoint/2015/main" val="1"/>
-                </p:ext>
-              </p:extLst>
-            </p:nvPr>
-          </p:nvSpPr>
-          <p:spPr>
-            <a:xfrm>
-              <a:off x="9334500" y="-8467"/>
-              <a:ext cx="2854326" cy="6866467"/>
-            </a:xfrm>
-            <a:custGeom>
-              <a:avLst/>
-              <a:gdLst/>
-              <a:ahLst/>
-              <a:cxnLst/>
-              <a:rect l="l" t="t" r="r" b="b"/>
-              <a:pathLst>
-                <a:path w="2858013" h="6866467">
-                  <a:moveTo>
-                    <a:pt x="0" y="0"/>
-                  </a:moveTo>
-                  <a:lnTo>
-                    <a:pt x="2858013" y="0"/>
-                  </a:lnTo>
-                  <a:lnTo>
-                    <a:pt x="2858013" y="6866467"/>
-                  </a:lnTo>
-                  <a:lnTo>
-                    <a:pt x="2473942" y="6866467"/>
-                  </a:lnTo>
-                  <a:lnTo>
-                    <a:pt x="0" y="0"/>
-                  </a:lnTo>
-                  <a:close/>
-                </a:path>
-              </a:pathLst>
-            </a:custGeom>
-            <a:solidFill>
-              <a:schemeClr val="accent2">
-                <a:lumMod val="75000"/>
-                <a:alpha val="70000"/>
-              </a:schemeClr>
-            </a:solidFill>
-            <a:ln>
-              <a:noFill/>
-            </a:ln>
-            <a:effectLst/>
-          </p:spPr>
-          <p:style>
-            <a:lnRef idx="1">
-              <a:schemeClr val="accent1"/>
-            </a:lnRef>
-            <a:fillRef idx="3">
-              <a:schemeClr val="accent1"/>
-            </a:fillRef>
-            <a:effectRef idx="2">
-              <a:schemeClr val="accent1"/>
-            </a:effectRef>
-            <a:fontRef idx="minor">
-              <a:schemeClr val="lt1"/>
-            </a:fontRef>
-          </p:style>
-        </p:sp>
-        <p:sp>
-          <p:nvSpPr>
-            <p:cNvPr id="16" name="Rectangle 28">
-              <a:extLst>
-                <a:ext uri="{FF2B5EF4-FFF2-40B4-BE49-F238E27FC236}">
-                  <a16:creationId xmlns:a16="http://schemas.microsoft.com/office/drawing/2014/main" id="{323F3D34-6531-4AD7-A8C6-195A090281A1}"/>
-                </a:ext>
-                <a:ext uri="{C183D7F6-B498-43B3-948B-1728B52AA6E4}">
-                  <adec:decorative xmlns:adec="http://schemas.microsoft.com/office/drawing/2017/decorative" val="1"/>
-                </a:ext>
-              </a:extLst>
-            </p:cNvPr>
-            <p:cNvSpPr/>
-            <p:nvPr>
-              <p:extLst>
-                <p:ext uri="{386F3935-93C4-4BCD-93E2-E3B085C9AB24}">
-                  <p16:designElem xmlns:p16="http://schemas.microsoft.com/office/powerpoint/2015/main" val="1"/>
-                </p:ext>
-              </p:extLst>
-            </p:nvPr>
-          </p:nvSpPr>
-          <p:spPr>
-            <a:xfrm>
-              <a:off x="10898730" y="-8467"/>
-              <a:ext cx="1290094" cy="6866467"/>
-            </a:xfrm>
-            <a:custGeom>
-              <a:avLst/>
-              <a:gdLst/>
-              <a:ahLst/>
-              <a:cxnLst/>
-              <a:rect l="l" t="t" r="r" b="b"/>
-              <a:pathLst>
-                <a:path w="1290094" h="6858000">
-                  <a:moveTo>
-                    <a:pt x="1019735" y="0"/>
-                  </a:moveTo>
-                  <a:lnTo>
-                    <a:pt x="1290094" y="0"/>
-                  </a:lnTo>
-                  <a:lnTo>
-                    <a:pt x="1290094" y="6858000"/>
-                  </a:lnTo>
-                  <a:lnTo>
-                    <a:pt x="0" y="6858000"/>
-                  </a:lnTo>
-                  <a:lnTo>
-                    <a:pt x="1019735" y="0"/>
-                  </a:lnTo>
-                  <a:close/>
-                </a:path>
-              </a:pathLst>
-            </a:custGeom>
-            <a:solidFill>
-              <a:schemeClr val="accent1">
-                <a:lumMod val="60000"/>
-                <a:lumOff val="40000"/>
-                <a:alpha val="70000"/>
-              </a:schemeClr>
-            </a:solidFill>
-            <a:ln>
-              <a:noFill/>
-            </a:ln>
-            <a:effectLst/>
-          </p:spPr>
-          <p:style>
-            <a:lnRef idx="1">
-              <a:schemeClr val="accent1"/>
-            </a:lnRef>
-            <a:fillRef idx="3">
-              <a:schemeClr val="accent1"/>
-            </a:fillRef>
-            <a:effectRef idx="2">
-              <a:schemeClr val="accent1"/>
-            </a:effectRef>
-            <a:fontRef idx="minor">
-              <a:schemeClr val="lt1"/>
-            </a:fontRef>
-          </p:style>
-        </p:sp>
-        <p:sp>
-          <p:nvSpPr>
-            <p:cNvPr id="17" name="Rectangle 29">
-              <a:extLst>
-                <a:ext uri="{FF2B5EF4-FFF2-40B4-BE49-F238E27FC236}">
-                  <a16:creationId xmlns:a16="http://schemas.microsoft.com/office/drawing/2014/main" id="{B9B0AE3F-2350-435F-A9B0-C310BF876385}"/>
-                </a:ext>
-                <a:ext uri="{C183D7F6-B498-43B3-948B-1728B52AA6E4}">
-                  <adec:decorative xmlns:adec="http://schemas.microsoft.com/office/drawing/2017/decorative" val="1"/>
-                </a:ext>
-              </a:extLst>
-            </p:cNvPr>
-            <p:cNvSpPr/>
-            <p:nvPr>
-              <p:extLst>
-                <p:ext uri="{386F3935-93C4-4BCD-93E2-E3B085C9AB24}">
-                  <p16:designElem xmlns:p16="http://schemas.microsoft.com/office/powerpoint/2015/main" val="1"/>
-                </p:ext>
-              </p:extLst>
-            </p:nvPr>
-          </p:nvSpPr>
-          <p:spPr>
-            <a:xfrm>
-              <a:off x="10938999" y="-8467"/>
-              <a:ext cx="1249825" cy="6866467"/>
-            </a:xfrm>
-            <a:custGeom>
-              <a:avLst/>
-              <a:gdLst/>
-              <a:ahLst/>
-              <a:cxnLst/>
-              <a:rect l="l" t="t" r="r" b="b"/>
-              <a:pathLst>
-                <a:path w="1249825" h="6858000">
-                  <a:moveTo>
-                    <a:pt x="0" y="0"/>
-                  </a:moveTo>
-                  <a:lnTo>
-                    <a:pt x="1249825" y="0"/>
-                  </a:lnTo>
-                  <a:lnTo>
-                    <a:pt x="1249825" y="6858000"/>
-                  </a:lnTo>
-                  <a:lnTo>
-                    <a:pt x="1109382" y="6858000"/>
-                  </a:lnTo>
-                  <a:lnTo>
-                    <a:pt x="0" y="0"/>
-                  </a:lnTo>
-                  <a:close/>
-                </a:path>
-              </a:pathLst>
-            </a:custGeom>
-            <a:solidFill>
-              <a:schemeClr val="accent1">
-                <a:alpha val="65000"/>
-              </a:schemeClr>
-            </a:solidFill>
-            <a:ln>
-              <a:noFill/>
-            </a:ln>
-            <a:effectLst/>
-          </p:spPr>
-          <p:style>
-            <a:lnRef idx="1">
-              <a:schemeClr val="accent1"/>
-            </a:lnRef>
-            <a:fillRef idx="3">
-              <a:schemeClr val="accent1"/>
-            </a:fillRef>
-            <a:effectRef idx="2">
-              <a:schemeClr val="accent1"/>
-            </a:effectRef>
-            <a:fontRef idx="minor">
-              <a:schemeClr val="lt1"/>
-            </a:fontRef>
-          </p:style>
-        </p:sp>
-        <p:sp>
-          <p:nvSpPr>
-            <p:cNvPr id="18" name="Isosceles Triangle 17">
-              <a:extLst>
-                <a:ext uri="{FF2B5EF4-FFF2-40B4-BE49-F238E27FC236}">
-                  <a16:creationId xmlns:a16="http://schemas.microsoft.com/office/drawing/2014/main" id="{4EFA655C-9E50-4C14-A89E-AD7B648E4E2B}"/>
-                </a:ext>
-                <a:ext uri="{C183D7F6-B498-43B3-948B-1728B52AA6E4}">
-                  <adec:decorative xmlns:adec="http://schemas.microsoft.com/office/drawing/2017/decorative" val="1"/>
-                </a:ext>
-              </a:extLst>
-            </p:cNvPr>
-            <p:cNvSpPr/>
-            <p:nvPr>
-              <p:extLst>
-                <p:ext uri="{386F3935-93C4-4BCD-93E2-E3B085C9AB24}">
-                  <p16:designElem xmlns:p16="http://schemas.microsoft.com/office/powerpoint/2015/main" val="1"/>
-                </p:ext>
-              </p:extLst>
-            </p:nvPr>
-          </p:nvSpPr>
-          <p:spPr>
-            <a:xfrm>
-              <a:off x="10371666" y="3589867"/>
-              <a:ext cx="1817159" cy="3268133"/>
-            </a:xfrm>
-            <a:prstGeom prst="triangle">
-              <a:avLst>
-                <a:gd name="adj" fmla="val 100000"/>
-              </a:avLst>
-            </a:prstGeom>
-            <a:solidFill>
-              <a:schemeClr val="accent1">
-                <a:alpha val="80000"/>
-              </a:schemeClr>
-            </a:solidFill>
-            <a:ln>
-              <a:noFill/>
-            </a:ln>
-            <a:effectLst/>
-          </p:spPr>
-          <p:style>
-            <a:lnRef idx="1">
-              <a:schemeClr val="accent1"/>
-            </a:lnRef>
-            <a:fillRef idx="3">
-              <a:schemeClr val="accent1"/>
-            </a:fillRef>
-            <a:effectRef idx="2">
-              <a:schemeClr val="accent1"/>
-            </a:effectRef>
-            <a:fontRef idx="minor">
-              <a:schemeClr val="lt1"/>
-            </a:fontRef>
-          </p:style>
-        </p:sp>
-        <p:sp>
-          <p:nvSpPr>
-            <p:cNvPr id="19" name="Isosceles Triangle 18">
-              <a:extLst>
-                <a:ext uri="{FF2B5EF4-FFF2-40B4-BE49-F238E27FC236}">
-                  <a16:creationId xmlns:a16="http://schemas.microsoft.com/office/drawing/2014/main" id="{3E843863-7D25-4C01-9A17-E817CB6D998A}"/>
-                </a:ext>
-                <a:ext uri="{C183D7F6-B498-43B3-948B-1728B52AA6E4}">
-                  <adec:decorative xmlns:adec="http://schemas.microsoft.com/office/drawing/2017/decorative" val="1"/>
-                </a:ext>
-              </a:extLst>
-            </p:cNvPr>
-            <p:cNvSpPr/>
-            <p:nvPr>
-              <p:extLst>
-                <p:ext uri="{386F3935-93C4-4BCD-93E2-E3B085C9AB24}">
-                  <p16:designElem xmlns:p16="http://schemas.microsoft.com/office/powerpoint/2015/main" val="1"/>
-                </p:ext>
-              </p:extLst>
-            </p:nvPr>
-          </p:nvSpPr>
-          <p:spPr>
-            <a:xfrm>
-              <a:off x="0" y="4013200"/>
-              <a:ext cx="448733" cy="2844800"/>
-            </a:xfrm>
-            <a:prstGeom prst="triangle">
-              <a:avLst>
-                <a:gd name="adj" fmla="val 0"/>
-              </a:avLst>
-            </a:prstGeom>
-            <a:solidFill>
-              <a:schemeClr val="accent1">
-                <a:alpha val="85000"/>
-              </a:schemeClr>
-            </a:solidFill>
-            <a:ln>
-              <a:noFill/>
-            </a:ln>
-            <a:effectLst/>
-          </p:spPr>
-          <p:style>
-            <a:lnRef idx="1">
-              <a:schemeClr val="accent1"/>
-            </a:lnRef>
-            <a:fillRef idx="3">
-              <a:schemeClr val="accent1"/>
-            </a:fillRef>
-            <a:effectRef idx="2">
-              <a:schemeClr val="accent1"/>
-            </a:effectRef>
-            <a:fontRef idx="minor">
-              <a:schemeClr val="lt1"/>
-            </a:fontRef>
-          </p:style>
-        </p:sp>
-      </p:grpSp>
-      <p:sp>
-        <p:nvSpPr>
-          <p:cNvPr id="21" name="Rectangle 20">
+          </a:ln>
+        </p:spPr>
+        <p:style>
+          <a:lnRef idx="1">
+            <a:schemeClr val="accent1"/>
+          </a:lnRef>
+          <a:fillRef idx="0">
+            <a:schemeClr val="accent1"/>
+          </a:fillRef>
+          <a:effectRef idx="0">
+            <a:schemeClr val="accent1"/>
+          </a:effectRef>
+          <a:fontRef idx="minor">
+            <a:schemeClr val="tx1"/>
+          </a:fontRef>
+        </p:style>
+      </p:cxnSp>
+      <p:cxnSp>
+        <p:nvCxnSpPr>
+          <p:cNvPr id="61" name="Straight Connector 60">
             <a:extLst>
               <a:ext uri="{FF2B5EF4-FFF2-40B4-BE49-F238E27FC236}">
-                <a16:creationId xmlns:a16="http://schemas.microsoft.com/office/drawing/2014/main" id="{7941F9B1-B01B-4A84-89D9-B169AEB4E456}"/>
+                <a16:creationId xmlns:a16="http://schemas.microsoft.com/office/drawing/2014/main" id="{7989CFA0-35DD-4943-B365-488C66B9B192}"/>
               </a:ext>
               <a:ext uri="{C183D7F6-B498-43B3-948B-1728B52AA6E4}">
                 <adec:decorative xmlns:adec="http://schemas.microsoft.com/office/drawing/2017/decorative" val="1"/>
               </a:ext>
             </a:extLst>
           </p:cNvPr>
-          <p:cNvSpPr>
-            <a:spLocks noGrp="1" noRot="1" noChangeAspect="1" noMove="1" noResize="1" noEditPoints="1" noAdjustHandles="1" noChangeArrowheads="1" noChangeShapeType="1" noTextEdit="1"/>
-          </p:cNvSpPr>
+          <p:cNvCxnSpPr>
+            <a:cxnSpLocks noGrp="1" noRot="1" noChangeAspect="1" noMove="1" noResize="1" noEditPoints="1" noAdjustHandles="1" noChangeArrowheads="1" noChangeShapeType="1"/>
+          </p:cNvCxnSpPr>
           <p:nvPr>
             <p:extLst>
               <p:ext uri="{386F3935-93C4-4BCD-93E2-E3B085C9AB24}">
@@ -8455,60 +6332,155 @@
               </p:ext>
             </p:extLst>
           </p:nvPr>
-        </p:nvSpPr>
+        </p:nvCxnSpPr>
         <p:spPr>
-          <a:xfrm>
-            <a:off x="477012" y="480060"/>
-            <a:ext cx="11237976" cy="5897880"/>
+          <a:xfrm flipH="1" flipV="1">
+            <a:off x="3609790" y="3197412"/>
+            <a:ext cx="4956048" cy="1754"/>
           </a:xfrm>
-          <a:prstGeom prst="rect">
+          <a:prstGeom prst="line">
             <a:avLst/>
           </a:prstGeom>
-          <a:solidFill>
-            <a:srgbClr val="FFFFFF"/>
-          </a:solidFill>
-          <a:ln w="9525">
-            <a:noFill/>
+          <a:ln w="38100">
+            <a:solidFill>
+              <a:schemeClr val="tx1">
+                <a:lumMod val="75000"/>
+                <a:lumOff val="25000"/>
+              </a:schemeClr>
+            </a:solidFill>
           </a:ln>
-          <a:effectLst>
-            <a:outerShdw blurRad="63500" dist="17780" dir="5400000" algn="t" rotWithShape="0">
-              <a:prstClr val="black">
-                <a:alpha val="43000"/>
-              </a:prstClr>
-            </a:outerShdw>
-          </a:effectLst>
         </p:spPr>
         <p:style>
-          <a:lnRef idx="2">
-            <a:schemeClr val="accent1">
-              <a:shade val="50000"/>
-            </a:schemeClr>
+          <a:lnRef idx="1">
+            <a:schemeClr val="accent1"/>
           </a:lnRef>
-          <a:fillRef idx="1">
+          <a:fillRef idx="0">
             <a:schemeClr val="accent1"/>
           </a:fillRef>
           <a:effectRef idx="0">
             <a:schemeClr val="accent1"/>
           </a:effectRef>
           <a:fontRef idx="minor">
-            <a:schemeClr val="lt1"/>
+            <a:schemeClr val="tx1"/>
           </a:fontRef>
         </p:style>
-        <p:txBody>
-          <a:bodyPr rtlCol="0" anchor="ctr"/>
-          <a:lstStyle/>
-          <a:p>
-            <a:pPr algn="ctr"/>
-            <a:endParaRPr lang="en-US"/>
-          </a:p>
-        </p:txBody>
-      </p:sp>
+      </p:cxnSp>
+      <p:cxnSp>
+        <p:nvCxnSpPr>
+          <p:cNvPr id="63" name="Straight Connector 62">
+            <a:extLst>
+              <a:ext uri="{FF2B5EF4-FFF2-40B4-BE49-F238E27FC236}">
+                <a16:creationId xmlns:a16="http://schemas.microsoft.com/office/drawing/2014/main" id="{688AD040-1A2B-4FB4-A345-7B9F3E5ED9B0}"/>
+              </a:ext>
+              <a:ext uri="{C183D7F6-B498-43B3-948B-1728B52AA6E4}">
+                <adec:decorative xmlns:adec="http://schemas.microsoft.com/office/drawing/2017/decorative" val="1"/>
+              </a:ext>
+            </a:extLst>
+          </p:cNvPr>
+          <p:cNvCxnSpPr>
+            <a:cxnSpLocks noGrp="1" noRot="1" noChangeAspect="1" noMove="1" noResize="1" noEditPoints="1" noAdjustHandles="1" noChangeArrowheads="1" noChangeShapeType="1"/>
+          </p:cNvCxnSpPr>
+          <p:nvPr>
+            <p:extLst>
+              <p:ext uri="{386F3935-93C4-4BCD-93E2-E3B085C9AB24}">
+                <p16:designElem xmlns:p16="http://schemas.microsoft.com/office/powerpoint/2015/main" val="1"/>
+              </p:ext>
+            </p:extLst>
+          </p:nvPr>
+        </p:nvCxnSpPr>
+        <p:spPr>
+          <a:xfrm flipH="1" flipV="1">
+            <a:off x="0" y="3994133"/>
+            <a:ext cx="3602736" cy="1754"/>
+          </a:xfrm>
+          <a:prstGeom prst="line">
+            <a:avLst/>
+          </a:prstGeom>
+          <a:ln w="38100">
+            <a:solidFill>
+              <a:schemeClr val="tx1">
+                <a:lumMod val="75000"/>
+                <a:lumOff val="25000"/>
+              </a:schemeClr>
+            </a:solidFill>
+          </a:ln>
+        </p:spPr>
+        <p:style>
+          <a:lnRef idx="1">
+            <a:schemeClr val="accent1"/>
+          </a:lnRef>
+          <a:fillRef idx="0">
+            <a:schemeClr val="accent1"/>
+          </a:fillRef>
+          <a:effectRef idx="0">
+            <a:schemeClr val="accent1"/>
+          </a:effectRef>
+          <a:fontRef idx="minor">
+            <a:schemeClr val="tx1"/>
+          </a:fontRef>
+        </p:style>
+      </p:cxnSp>
+      <p:cxnSp>
+        <p:nvCxnSpPr>
+          <p:cNvPr id="65" name="Straight Connector 64">
+            <a:extLst>
+              <a:ext uri="{FF2B5EF4-FFF2-40B4-BE49-F238E27FC236}">
+                <a16:creationId xmlns:a16="http://schemas.microsoft.com/office/drawing/2014/main" id="{823B704A-724B-41D6-8F33-76939E727D2A}"/>
+              </a:ext>
+              <a:ext uri="{C183D7F6-B498-43B3-948B-1728B52AA6E4}">
+                <adec:decorative xmlns:adec="http://schemas.microsoft.com/office/drawing/2017/decorative" val="1"/>
+              </a:ext>
+            </a:extLst>
+          </p:cNvPr>
+          <p:cNvCxnSpPr>
+            <a:cxnSpLocks noGrp="1" noRot="1" noChangeAspect="1" noMove="1" noResize="1" noEditPoints="1" noAdjustHandles="1" noChangeArrowheads="1" noChangeShapeType="1"/>
+          </p:cNvCxnSpPr>
+          <p:nvPr>
+            <p:extLst>
+              <p:ext uri="{386F3935-93C4-4BCD-93E2-E3B085C9AB24}">
+                <p16:designElem xmlns:p16="http://schemas.microsoft.com/office/powerpoint/2015/main" val="1"/>
+              </p:ext>
+            </p:extLst>
+          </p:nvPr>
+        </p:nvCxnSpPr>
+        <p:spPr>
+          <a:xfrm flipH="1" flipV="1">
+            <a:off x="8534400" y="3994133"/>
+            <a:ext cx="3657600" cy="1754"/>
+          </a:xfrm>
+          <a:prstGeom prst="line">
+            <a:avLst/>
+          </a:prstGeom>
+          <a:ln w="38100">
+            <a:solidFill>
+              <a:schemeClr val="tx1">
+                <a:lumMod val="75000"/>
+                <a:lumOff val="25000"/>
+              </a:schemeClr>
+            </a:solidFill>
+          </a:ln>
+        </p:spPr>
+        <p:style>
+          <a:lnRef idx="1">
+            <a:schemeClr val="accent1"/>
+          </a:lnRef>
+          <a:fillRef idx="0">
+            <a:schemeClr val="accent1"/>
+          </a:fillRef>
+          <a:effectRef idx="0">
+            <a:schemeClr val="accent1"/>
+          </a:effectRef>
+          <a:fontRef idx="minor">
+            <a:schemeClr val="tx1"/>
+          </a:fontRef>
+        </p:style>
+      </p:cxnSp>
       <p:pic>
         <p:nvPicPr>
-          <p:cNvPr id="3" name="Image 2" descr="Une image contenant capture d’écran&#10;&#10;Description générée automatiquement">
+          <p:cNvPr id="32" name="Image 31" descr="Une image contenant capture d’écran&#10;&#10;Description générée automatiquement">
             <a:extLst>
               <a:ext uri="{FF2B5EF4-FFF2-40B4-BE49-F238E27FC236}">
-                <a16:creationId xmlns:a16="http://schemas.microsoft.com/office/drawing/2014/main" id="{A63E6494-183E-4CF3-ABAD-364AF6440537}"/>
+                <a16:creationId xmlns:a16="http://schemas.microsoft.com/office/drawing/2014/main" id="{C40830B6-310B-41AB-8FFD-00A4A7892053}"/>
               </a:ext>
             </a:extLst>
           </p:cNvPr>
@@ -8518,7 +6490,7 @@
           <p:nvPr/>
         </p:nvPicPr>
         <p:blipFill>
-          <a:blip r:embed="rId2">
+          <a:blip r:embed="rId4">
             <a:extLst>
               <a:ext uri="{28A0092B-C50C-407E-A947-70E740481C1C}">
                 <a14:useLocalDpi xmlns:a14="http://schemas.microsoft.com/office/drawing/2010/main" val="0"/>
@@ -8531,836 +6503,20 @@
         </p:blipFill>
         <p:spPr>
           <a:xfrm>
-            <a:off x="1126309" y="1525922"/>
-            <a:ext cx="9941259" cy="3802530"/>
+            <a:off x="643467" y="4548733"/>
+            <a:ext cx="2634207" cy="1481741"/>
           </a:xfrm>
           <a:prstGeom prst="rect">
             <a:avLst/>
           </a:prstGeom>
         </p:spPr>
       </p:pic>
-    </p:spTree>
-    <p:extLst>
-      <p:ext uri="{BB962C8B-B14F-4D97-AF65-F5344CB8AC3E}">
-        <p14:creationId xmlns:p14="http://schemas.microsoft.com/office/powerpoint/2010/main" val="3818689207"/>
-      </p:ext>
-    </p:extLst>
-  </p:cSld>
-  <p:clrMapOvr>
-    <a:masterClrMapping/>
-  </p:clrMapOvr>
-</p:sld>
-</file>
-
-<file path=ppt/slides/slide5.xml><?xml version="1.0" encoding="utf-8"?>
-<p:sld xmlns:a="http://schemas.openxmlformats.org/drawingml/2006/main" xmlns:r="http://schemas.openxmlformats.org/officeDocument/2006/relationships" xmlns:p="http://schemas.openxmlformats.org/presentationml/2006/main">
-  <p:cSld>
-    <p:bg>
-      <p:bgPr>
-        <a:solidFill>
-          <a:schemeClr val="bg2"/>
-        </a:solidFill>
-        <a:effectLst/>
-      </p:bgPr>
-    </p:bg>
-    <p:spTree>
-      <p:nvGrpSpPr>
-        <p:cNvPr id="1" name=""/>
-        <p:cNvGrpSpPr/>
-        <p:nvPr/>
-      </p:nvGrpSpPr>
-      <p:grpSpPr>
-        <a:xfrm>
-          <a:off x="0" y="0"/>
-          <a:ext cx="0" cy="0"/>
-          <a:chOff x="0" y="0"/>
-          <a:chExt cx="0" cy="0"/>
-        </a:xfrm>
-      </p:grpSpPr>
-      <p:sp>
-        <p:nvSpPr>
-          <p:cNvPr id="8" name="Rectangle 7">
+      <p:pic>
+        <p:nvPicPr>
+          <p:cNvPr id="15" name="Image 14" descr="Une image contenant capture d’écran&#10;&#10;Description générée automatiquement">
             <a:extLst>
               <a:ext uri="{FF2B5EF4-FFF2-40B4-BE49-F238E27FC236}">
-                <a16:creationId xmlns:a16="http://schemas.microsoft.com/office/drawing/2014/main" id="{03E8462A-FEBA-4848-81CC-3F8DA3E477BE}"/>
-              </a:ext>
-              <a:ext uri="{C183D7F6-B498-43B3-948B-1728B52AA6E4}">
-                <adec:decorative xmlns:adec="http://schemas.microsoft.com/office/drawing/2017/decorative" val="1"/>
-              </a:ext>
-            </a:extLst>
-          </p:cNvPr>
-          <p:cNvSpPr>
-            <a:spLocks noGrp="1" noRot="1" noChangeAspect="1" noMove="1" noResize="1" noEditPoints="1" noAdjustHandles="1" noChangeArrowheads="1" noChangeShapeType="1" noTextEdit="1"/>
-          </p:cNvSpPr>
-          <p:nvPr>
-            <p:extLst>
-              <p:ext uri="{386F3935-93C4-4BCD-93E2-E3B085C9AB24}">
-                <p16:designElem xmlns:p16="http://schemas.microsoft.com/office/powerpoint/2015/main" val="1"/>
-              </p:ext>
-            </p:extLst>
-          </p:nvPr>
-        </p:nvSpPr>
-        <p:spPr>
-          <a:xfrm>
-            <a:off x="0" y="0"/>
-            <a:ext cx="12188952" cy="6858000"/>
-          </a:xfrm>
-          <a:prstGeom prst="rect">
-            <a:avLst/>
-          </a:prstGeom>
-          <a:solidFill>
-            <a:schemeClr val="accent2"/>
-          </a:solidFill>
-          <a:ln>
-            <a:noFill/>
-          </a:ln>
-        </p:spPr>
-        <p:style>
-          <a:lnRef idx="2">
-            <a:schemeClr val="accent1">
-              <a:shade val="50000"/>
-            </a:schemeClr>
-          </a:lnRef>
-          <a:fillRef idx="1">
-            <a:schemeClr val="accent1"/>
-          </a:fillRef>
-          <a:effectRef idx="0">
-            <a:schemeClr val="accent1"/>
-          </a:effectRef>
-          <a:fontRef idx="minor">
-            <a:schemeClr val="lt1"/>
-          </a:fontRef>
-        </p:style>
-        <p:txBody>
-          <a:bodyPr rtlCol="0" anchor="ctr"/>
-          <a:lstStyle/>
-          <a:p>
-            <a:pPr algn="ctr"/>
-            <a:endParaRPr lang="en-US"/>
-          </a:p>
-        </p:txBody>
-      </p:sp>
-      <p:grpSp>
-        <p:nvGrpSpPr>
-          <p:cNvPr id="10" name="Group 9">
-            <a:extLst>
-              <a:ext uri="{FF2B5EF4-FFF2-40B4-BE49-F238E27FC236}">
-                <a16:creationId xmlns:a16="http://schemas.microsoft.com/office/drawing/2014/main" id="{2109F83F-40FE-4DB3-84CC-09FB3340D06D}"/>
-              </a:ext>
-              <a:ext uri="{C183D7F6-B498-43B3-948B-1728B52AA6E4}">
-                <adec:decorative xmlns:adec="http://schemas.microsoft.com/office/drawing/2017/decorative" val="1"/>
-              </a:ext>
-            </a:extLst>
-          </p:cNvPr>
-          <p:cNvGrpSpPr>
-            <a:grpSpLocks noGrp="1" noUngrp="1" noRot="1" noChangeAspect="1" noMove="1" noResize="1"/>
-          </p:cNvGrpSpPr>
-          <p:nvPr>
-            <p:extLst>
-              <p:ext uri="{386F3935-93C4-4BCD-93E2-E3B085C9AB24}">
-                <p16:designElem xmlns:p16="http://schemas.microsoft.com/office/powerpoint/2015/main" val="1"/>
-              </p:ext>
-            </p:extLst>
-          </p:nvPr>
-        </p:nvGrpSpPr>
-        <p:grpSpPr>
-          <a:xfrm>
-            <a:off x="0" y="-8467"/>
-            <a:ext cx="12192000" cy="6866467"/>
-            <a:chOff x="0" y="-8467"/>
-            <a:chExt cx="12192000" cy="6866467"/>
-          </a:xfrm>
-        </p:grpSpPr>
-        <p:cxnSp>
-          <p:nvCxnSpPr>
-            <p:cNvPr id="11" name="Straight Connector 10">
-              <a:extLst>
-                <a:ext uri="{FF2B5EF4-FFF2-40B4-BE49-F238E27FC236}">
-                  <a16:creationId xmlns:a16="http://schemas.microsoft.com/office/drawing/2014/main" id="{1DE492D7-C3C3-48FF-80C8-37021EA0262F}"/>
-                </a:ext>
-                <a:ext uri="{C183D7F6-B498-43B3-948B-1728B52AA6E4}">
-                  <adec:decorative xmlns:adec="http://schemas.microsoft.com/office/drawing/2017/decorative" val="1"/>
-                </a:ext>
-              </a:extLst>
-            </p:cNvPr>
-            <p:cNvCxnSpPr/>
-            <p:nvPr>
-              <p:extLst>
-                <p:ext uri="{386F3935-93C4-4BCD-93E2-E3B085C9AB24}">
-                  <p16:designElem xmlns:p16="http://schemas.microsoft.com/office/powerpoint/2015/main" val="1"/>
-                </p:ext>
-              </p:extLst>
-            </p:nvPr>
-          </p:nvCxnSpPr>
-          <p:spPr>
-            <a:xfrm flipH="1">
-              <a:off x="7425267" y="3681413"/>
-              <a:ext cx="4763558" cy="3176587"/>
-            </a:xfrm>
-            <a:prstGeom prst="line">
-              <a:avLst/>
-            </a:prstGeom>
-            <a:ln w="9525">
-              <a:solidFill>
-                <a:schemeClr val="bg1">
-                  <a:lumMod val="85000"/>
-                </a:schemeClr>
-              </a:solidFill>
-            </a:ln>
-          </p:spPr>
-          <p:style>
-            <a:lnRef idx="2">
-              <a:schemeClr val="accent1"/>
-            </a:lnRef>
-            <a:fillRef idx="0">
-              <a:schemeClr val="accent1"/>
-            </a:fillRef>
-            <a:effectRef idx="1">
-              <a:schemeClr val="accent1"/>
-            </a:effectRef>
-            <a:fontRef idx="minor">
-              <a:schemeClr val="tx1"/>
-            </a:fontRef>
-          </p:style>
-        </p:cxnSp>
-        <p:sp>
-          <p:nvSpPr>
-            <p:cNvPr id="12" name="Rectangle 23">
-              <a:extLst>
-                <a:ext uri="{FF2B5EF4-FFF2-40B4-BE49-F238E27FC236}">
-                  <a16:creationId xmlns:a16="http://schemas.microsoft.com/office/drawing/2014/main" id="{0B30FF97-2E9A-490A-AED2-90BA2E0EC17F}"/>
-                </a:ext>
-                <a:ext uri="{C183D7F6-B498-43B3-948B-1728B52AA6E4}">
-                  <adec:decorative xmlns:adec="http://schemas.microsoft.com/office/drawing/2017/decorative" val="1"/>
-                </a:ext>
-              </a:extLst>
-            </p:cNvPr>
-            <p:cNvSpPr/>
-            <p:nvPr>
-              <p:extLst>
-                <p:ext uri="{386F3935-93C4-4BCD-93E2-E3B085C9AB24}">
-                  <p16:designElem xmlns:p16="http://schemas.microsoft.com/office/powerpoint/2015/main" val="1"/>
-                </p:ext>
-              </p:extLst>
-            </p:nvPr>
-          </p:nvSpPr>
-          <p:spPr>
-            <a:xfrm>
-              <a:off x="9181476" y="-8467"/>
-              <a:ext cx="3007349" cy="6866467"/>
-            </a:xfrm>
-            <a:custGeom>
-              <a:avLst/>
-              <a:gdLst/>
-              <a:ahLst/>
-              <a:cxnLst/>
-              <a:rect l="l" t="t" r="r" b="b"/>
-              <a:pathLst>
-                <a:path w="3007349" h="6866467">
-                  <a:moveTo>
-                    <a:pt x="2045532" y="0"/>
-                  </a:moveTo>
-                  <a:lnTo>
-                    <a:pt x="3007349" y="0"/>
-                  </a:lnTo>
-                  <a:lnTo>
-                    <a:pt x="3007349" y="6866467"/>
-                  </a:lnTo>
-                  <a:lnTo>
-                    <a:pt x="0" y="6866467"/>
-                  </a:lnTo>
-                  <a:lnTo>
-                    <a:pt x="2045532" y="0"/>
-                  </a:lnTo>
-                  <a:close/>
-                </a:path>
-              </a:pathLst>
-            </a:custGeom>
-            <a:solidFill>
-              <a:schemeClr val="accent1">
-                <a:alpha val="30000"/>
-              </a:schemeClr>
-            </a:solidFill>
-            <a:ln>
-              <a:noFill/>
-            </a:ln>
-            <a:effectLst/>
-          </p:spPr>
-          <p:style>
-            <a:lnRef idx="1">
-              <a:schemeClr val="accent1"/>
-            </a:lnRef>
-            <a:fillRef idx="3">
-              <a:schemeClr val="accent1"/>
-            </a:fillRef>
-            <a:effectRef idx="2">
-              <a:schemeClr val="accent1"/>
-            </a:effectRef>
-            <a:fontRef idx="minor">
-              <a:schemeClr val="lt1"/>
-            </a:fontRef>
-          </p:style>
-        </p:sp>
-        <p:sp>
-          <p:nvSpPr>
-            <p:cNvPr id="13" name="Rectangle 25">
-              <a:extLst>
-                <a:ext uri="{FF2B5EF4-FFF2-40B4-BE49-F238E27FC236}">
-                  <a16:creationId xmlns:a16="http://schemas.microsoft.com/office/drawing/2014/main" id="{B6D53C7D-A312-47B6-A66A-230A19CFACA6}"/>
-                </a:ext>
-                <a:ext uri="{C183D7F6-B498-43B3-948B-1728B52AA6E4}">
-                  <adec:decorative xmlns:adec="http://schemas.microsoft.com/office/drawing/2017/decorative" val="1"/>
-                </a:ext>
-              </a:extLst>
-            </p:cNvPr>
-            <p:cNvSpPr/>
-            <p:nvPr>
-              <p:extLst>
-                <p:ext uri="{386F3935-93C4-4BCD-93E2-E3B085C9AB24}">
-                  <p16:designElem xmlns:p16="http://schemas.microsoft.com/office/powerpoint/2015/main" val="1"/>
-                </p:ext>
-              </p:extLst>
-            </p:nvPr>
-          </p:nvSpPr>
-          <p:spPr>
-            <a:xfrm>
-              <a:off x="9603442" y="-8467"/>
-              <a:ext cx="2588558" cy="6866467"/>
-            </a:xfrm>
-            <a:custGeom>
-              <a:avLst/>
-              <a:gdLst/>
-              <a:ahLst/>
-              <a:cxnLst/>
-              <a:rect l="l" t="t" r="r" b="b"/>
-              <a:pathLst>
-                <a:path w="2573311" h="6866467">
-                  <a:moveTo>
-                    <a:pt x="0" y="0"/>
-                  </a:moveTo>
-                  <a:lnTo>
-                    <a:pt x="2573311" y="0"/>
-                  </a:lnTo>
-                  <a:lnTo>
-                    <a:pt x="2573311" y="6866467"/>
-                  </a:lnTo>
-                  <a:lnTo>
-                    <a:pt x="1202336" y="6866467"/>
-                  </a:lnTo>
-                  <a:lnTo>
-                    <a:pt x="0" y="0"/>
-                  </a:lnTo>
-                  <a:close/>
-                </a:path>
-              </a:pathLst>
-            </a:custGeom>
-            <a:solidFill>
-              <a:schemeClr val="accent1">
-                <a:alpha val="20000"/>
-              </a:schemeClr>
-            </a:solidFill>
-            <a:ln>
-              <a:noFill/>
-            </a:ln>
-            <a:effectLst/>
-          </p:spPr>
-          <p:style>
-            <a:lnRef idx="1">
-              <a:schemeClr val="accent1"/>
-            </a:lnRef>
-            <a:fillRef idx="3">
-              <a:schemeClr val="accent1"/>
-            </a:fillRef>
-            <a:effectRef idx="2">
-              <a:schemeClr val="accent1"/>
-            </a:effectRef>
-            <a:fontRef idx="minor">
-              <a:schemeClr val="lt1"/>
-            </a:fontRef>
-          </p:style>
-        </p:sp>
-        <p:sp>
-          <p:nvSpPr>
-            <p:cNvPr id="14" name="Isosceles Triangle 13">
-              <a:extLst>
-                <a:ext uri="{FF2B5EF4-FFF2-40B4-BE49-F238E27FC236}">
-                  <a16:creationId xmlns:a16="http://schemas.microsoft.com/office/drawing/2014/main" id="{9329D58C-0D2E-4A2B-AD6A-9CEE506784A8}"/>
-                </a:ext>
-                <a:ext uri="{C183D7F6-B498-43B3-948B-1728B52AA6E4}">
-                  <adec:decorative xmlns:adec="http://schemas.microsoft.com/office/drawing/2017/decorative" val="1"/>
-                </a:ext>
-              </a:extLst>
-            </p:cNvPr>
-            <p:cNvSpPr/>
-            <p:nvPr>
-              <p:extLst>
-                <p:ext uri="{386F3935-93C4-4BCD-93E2-E3B085C9AB24}">
-                  <p16:designElem xmlns:p16="http://schemas.microsoft.com/office/powerpoint/2015/main" val="1"/>
-                </p:ext>
-              </p:extLst>
-            </p:nvPr>
-          </p:nvSpPr>
-          <p:spPr>
-            <a:xfrm>
-              <a:off x="8932333" y="3048000"/>
-              <a:ext cx="3259667" cy="3810000"/>
-            </a:xfrm>
-            <a:prstGeom prst="triangle">
-              <a:avLst>
-                <a:gd name="adj" fmla="val 100000"/>
-              </a:avLst>
-            </a:prstGeom>
-            <a:solidFill>
-              <a:schemeClr val="accent2">
-                <a:alpha val="72000"/>
-              </a:schemeClr>
-            </a:solidFill>
-            <a:ln>
-              <a:noFill/>
-            </a:ln>
-            <a:effectLst/>
-          </p:spPr>
-          <p:style>
-            <a:lnRef idx="1">
-              <a:schemeClr val="accent1"/>
-            </a:lnRef>
-            <a:fillRef idx="3">
-              <a:schemeClr val="accent1"/>
-            </a:fillRef>
-            <a:effectRef idx="2">
-              <a:schemeClr val="accent1"/>
-            </a:effectRef>
-            <a:fontRef idx="minor">
-              <a:schemeClr val="lt1"/>
-            </a:fontRef>
-          </p:style>
-        </p:sp>
-        <p:sp>
-          <p:nvSpPr>
-            <p:cNvPr id="15" name="Rectangle 27">
-              <a:extLst>
-                <a:ext uri="{FF2B5EF4-FFF2-40B4-BE49-F238E27FC236}">
-                  <a16:creationId xmlns:a16="http://schemas.microsoft.com/office/drawing/2014/main" id="{9D446EDE-C690-4461-8BF2-7634808FC8B4}"/>
-                </a:ext>
-                <a:ext uri="{C183D7F6-B498-43B3-948B-1728B52AA6E4}">
-                  <adec:decorative xmlns:adec="http://schemas.microsoft.com/office/drawing/2017/decorative" val="1"/>
-                </a:ext>
-              </a:extLst>
-            </p:cNvPr>
-            <p:cNvSpPr/>
-            <p:nvPr>
-              <p:extLst>
-                <p:ext uri="{386F3935-93C4-4BCD-93E2-E3B085C9AB24}">
-                  <p16:designElem xmlns:p16="http://schemas.microsoft.com/office/powerpoint/2015/main" val="1"/>
-                </p:ext>
-              </p:extLst>
-            </p:nvPr>
-          </p:nvSpPr>
-          <p:spPr>
-            <a:xfrm>
-              <a:off x="9334500" y="-8467"/>
-              <a:ext cx="2854326" cy="6866467"/>
-            </a:xfrm>
-            <a:custGeom>
-              <a:avLst/>
-              <a:gdLst/>
-              <a:ahLst/>
-              <a:cxnLst/>
-              <a:rect l="l" t="t" r="r" b="b"/>
-              <a:pathLst>
-                <a:path w="2858013" h="6866467">
-                  <a:moveTo>
-                    <a:pt x="0" y="0"/>
-                  </a:moveTo>
-                  <a:lnTo>
-                    <a:pt x="2858013" y="0"/>
-                  </a:lnTo>
-                  <a:lnTo>
-                    <a:pt x="2858013" y="6866467"/>
-                  </a:lnTo>
-                  <a:lnTo>
-                    <a:pt x="2473942" y="6866467"/>
-                  </a:lnTo>
-                  <a:lnTo>
-                    <a:pt x="0" y="0"/>
-                  </a:lnTo>
-                  <a:close/>
-                </a:path>
-              </a:pathLst>
-            </a:custGeom>
-            <a:solidFill>
-              <a:schemeClr val="accent2">
-                <a:lumMod val="75000"/>
-                <a:alpha val="70000"/>
-              </a:schemeClr>
-            </a:solidFill>
-            <a:ln>
-              <a:noFill/>
-            </a:ln>
-            <a:effectLst/>
-          </p:spPr>
-          <p:style>
-            <a:lnRef idx="1">
-              <a:schemeClr val="accent1"/>
-            </a:lnRef>
-            <a:fillRef idx="3">
-              <a:schemeClr val="accent1"/>
-            </a:fillRef>
-            <a:effectRef idx="2">
-              <a:schemeClr val="accent1"/>
-            </a:effectRef>
-            <a:fontRef idx="minor">
-              <a:schemeClr val="lt1"/>
-            </a:fontRef>
-          </p:style>
-        </p:sp>
-        <p:sp>
-          <p:nvSpPr>
-            <p:cNvPr id="16" name="Rectangle 28">
-              <a:extLst>
-                <a:ext uri="{FF2B5EF4-FFF2-40B4-BE49-F238E27FC236}">
-                  <a16:creationId xmlns:a16="http://schemas.microsoft.com/office/drawing/2014/main" id="{323F3D34-6531-4AD7-A8C6-195A090281A1}"/>
-                </a:ext>
-                <a:ext uri="{C183D7F6-B498-43B3-948B-1728B52AA6E4}">
-                  <adec:decorative xmlns:adec="http://schemas.microsoft.com/office/drawing/2017/decorative" val="1"/>
-                </a:ext>
-              </a:extLst>
-            </p:cNvPr>
-            <p:cNvSpPr/>
-            <p:nvPr>
-              <p:extLst>
-                <p:ext uri="{386F3935-93C4-4BCD-93E2-E3B085C9AB24}">
-                  <p16:designElem xmlns:p16="http://schemas.microsoft.com/office/powerpoint/2015/main" val="1"/>
-                </p:ext>
-              </p:extLst>
-            </p:nvPr>
-          </p:nvSpPr>
-          <p:spPr>
-            <a:xfrm>
-              <a:off x="10898730" y="-8467"/>
-              <a:ext cx="1290094" cy="6866467"/>
-            </a:xfrm>
-            <a:custGeom>
-              <a:avLst/>
-              <a:gdLst/>
-              <a:ahLst/>
-              <a:cxnLst/>
-              <a:rect l="l" t="t" r="r" b="b"/>
-              <a:pathLst>
-                <a:path w="1290094" h="6858000">
-                  <a:moveTo>
-                    <a:pt x="1019735" y="0"/>
-                  </a:moveTo>
-                  <a:lnTo>
-                    <a:pt x="1290094" y="0"/>
-                  </a:lnTo>
-                  <a:lnTo>
-                    <a:pt x="1290094" y="6858000"/>
-                  </a:lnTo>
-                  <a:lnTo>
-                    <a:pt x="0" y="6858000"/>
-                  </a:lnTo>
-                  <a:lnTo>
-                    <a:pt x="1019735" y="0"/>
-                  </a:lnTo>
-                  <a:close/>
-                </a:path>
-              </a:pathLst>
-            </a:custGeom>
-            <a:solidFill>
-              <a:schemeClr val="accent1">
-                <a:lumMod val="60000"/>
-                <a:lumOff val="40000"/>
-                <a:alpha val="70000"/>
-              </a:schemeClr>
-            </a:solidFill>
-            <a:ln>
-              <a:noFill/>
-            </a:ln>
-            <a:effectLst/>
-          </p:spPr>
-          <p:style>
-            <a:lnRef idx="1">
-              <a:schemeClr val="accent1"/>
-            </a:lnRef>
-            <a:fillRef idx="3">
-              <a:schemeClr val="accent1"/>
-            </a:fillRef>
-            <a:effectRef idx="2">
-              <a:schemeClr val="accent1"/>
-            </a:effectRef>
-            <a:fontRef idx="minor">
-              <a:schemeClr val="lt1"/>
-            </a:fontRef>
-          </p:style>
-        </p:sp>
-        <p:sp>
-          <p:nvSpPr>
-            <p:cNvPr id="17" name="Rectangle 29">
-              <a:extLst>
-                <a:ext uri="{FF2B5EF4-FFF2-40B4-BE49-F238E27FC236}">
-                  <a16:creationId xmlns:a16="http://schemas.microsoft.com/office/drawing/2014/main" id="{B9B0AE3F-2350-435F-A9B0-C310BF876385}"/>
-                </a:ext>
-                <a:ext uri="{C183D7F6-B498-43B3-948B-1728B52AA6E4}">
-                  <adec:decorative xmlns:adec="http://schemas.microsoft.com/office/drawing/2017/decorative" val="1"/>
-                </a:ext>
-              </a:extLst>
-            </p:cNvPr>
-            <p:cNvSpPr/>
-            <p:nvPr>
-              <p:extLst>
-                <p:ext uri="{386F3935-93C4-4BCD-93E2-E3B085C9AB24}">
-                  <p16:designElem xmlns:p16="http://schemas.microsoft.com/office/powerpoint/2015/main" val="1"/>
-                </p:ext>
-              </p:extLst>
-            </p:nvPr>
-          </p:nvSpPr>
-          <p:spPr>
-            <a:xfrm>
-              <a:off x="10938999" y="-8467"/>
-              <a:ext cx="1249825" cy="6866467"/>
-            </a:xfrm>
-            <a:custGeom>
-              <a:avLst/>
-              <a:gdLst/>
-              <a:ahLst/>
-              <a:cxnLst/>
-              <a:rect l="l" t="t" r="r" b="b"/>
-              <a:pathLst>
-                <a:path w="1249825" h="6858000">
-                  <a:moveTo>
-                    <a:pt x="0" y="0"/>
-                  </a:moveTo>
-                  <a:lnTo>
-                    <a:pt x="1249825" y="0"/>
-                  </a:lnTo>
-                  <a:lnTo>
-                    <a:pt x="1249825" y="6858000"/>
-                  </a:lnTo>
-                  <a:lnTo>
-                    <a:pt x="1109382" y="6858000"/>
-                  </a:lnTo>
-                  <a:lnTo>
-                    <a:pt x="0" y="0"/>
-                  </a:lnTo>
-                  <a:close/>
-                </a:path>
-              </a:pathLst>
-            </a:custGeom>
-            <a:solidFill>
-              <a:schemeClr val="accent1">
-                <a:alpha val="65000"/>
-              </a:schemeClr>
-            </a:solidFill>
-            <a:ln>
-              <a:noFill/>
-            </a:ln>
-            <a:effectLst/>
-          </p:spPr>
-          <p:style>
-            <a:lnRef idx="1">
-              <a:schemeClr val="accent1"/>
-            </a:lnRef>
-            <a:fillRef idx="3">
-              <a:schemeClr val="accent1"/>
-            </a:fillRef>
-            <a:effectRef idx="2">
-              <a:schemeClr val="accent1"/>
-            </a:effectRef>
-            <a:fontRef idx="minor">
-              <a:schemeClr val="lt1"/>
-            </a:fontRef>
-          </p:style>
-        </p:sp>
-        <p:sp>
-          <p:nvSpPr>
-            <p:cNvPr id="18" name="Isosceles Triangle 17">
-              <a:extLst>
-                <a:ext uri="{FF2B5EF4-FFF2-40B4-BE49-F238E27FC236}">
-                  <a16:creationId xmlns:a16="http://schemas.microsoft.com/office/drawing/2014/main" id="{4EFA655C-9E50-4C14-A89E-AD7B648E4E2B}"/>
-                </a:ext>
-                <a:ext uri="{C183D7F6-B498-43B3-948B-1728B52AA6E4}">
-                  <adec:decorative xmlns:adec="http://schemas.microsoft.com/office/drawing/2017/decorative" val="1"/>
-                </a:ext>
-              </a:extLst>
-            </p:cNvPr>
-            <p:cNvSpPr/>
-            <p:nvPr>
-              <p:extLst>
-                <p:ext uri="{386F3935-93C4-4BCD-93E2-E3B085C9AB24}">
-                  <p16:designElem xmlns:p16="http://schemas.microsoft.com/office/powerpoint/2015/main" val="1"/>
-                </p:ext>
-              </p:extLst>
-            </p:nvPr>
-          </p:nvSpPr>
-          <p:spPr>
-            <a:xfrm>
-              <a:off x="10371666" y="3589867"/>
-              <a:ext cx="1817159" cy="3268133"/>
-            </a:xfrm>
-            <a:prstGeom prst="triangle">
-              <a:avLst>
-                <a:gd name="adj" fmla="val 100000"/>
-              </a:avLst>
-            </a:prstGeom>
-            <a:solidFill>
-              <a:schemeClr val="accent1">
-                <a:alpha val="80000"/>
-              </a:schemeClr>
-            </a:solidFill>
-            <a:ln>
-              <a:noFill/>
-            </a:ln>
-            <a:effectLst/>
-          </p:spPr>
-          <p:style>
-            <a:lnRef idx="1">
-              <a:schemeClr val="accent1"/>
-            </a:lnRef>
-            <a:fillRef idx="3">
-              <a:schemeClr val="accent1"/>
-            </a:fillRef>
-            <a:effectRef idx="2">
-              <a:schemeClr val="accent1"/>
-            </a:effectRef>
-            <a:fontRef idx="minor">
-              <a:schemeClr val="lt1"/>
-            </a:fontRef>
-          </p:style>
-        </p:sp>
-        <p:sp>
-          <p:nvSpPr>
-            <p:cNvPr id="19" name="Isosceles Triangle 18">
-              <a:extLst>
-                <a:ext uri="{FF2B5EF4-FFF2-40B4-BE49-F238E27FC236}">
-                  <a16:creationId xmlns:a16="http://schemas.microsoft.com/office/drawing/2014/main" id="{3E843863-7D25-4C01-9A17-E817CB6D998A}"/>
-                </a:ext>
-                <a:ext uri="{C183D7F6-B498-43B3-948B-1728B52AA6E4}">
-                  <adec:decorative xmlns:adec="http://schemas.microsoft.com/office/drawing/2017/decorative" val="1"/>
-                </a:ext>
-              </a:extLst>
-            </p:cNvPr>
-            <p:cNvSpPr/>
-            <p:nvPr>
-              <p:extLst>
-                <p:ext uri="{386F3935-93C4-4BCD-93E2-E3B085C9AB24}">
-                  <p16:designElem xmlns:p16="http://schemas.microsoft.com/office/powerpoint/2015/main" val="1"/>
-                </p:ext>
-              </p:extLst>
-            </p:nvPr>
-          </p:nvSpPr>
-          <p:spPr>
-            <a:xfrm>
-              <a:off x="0" y="4013200"/>
-              <a:ext cx="448733" cy="2844800"/>
-            </a:xfrm>
-            <a:prstGeom prst="triangle">
-              <a:avLst>
-                <a:gd name="adj" fmla="val 0"/>
-              </a:avLst>
-            </a:prstGeom>
-            <a:solidFill>
-              <a:schemeClr val="accent1">
-                <a:alpha val="85000"/>
-              </a:schemeClr>
-            </a:solidFill>
-            <a:ln>
-              <a:noFill/>
-            </a:ln>
-            <a:effectLst/>
-          </p:spPr>
-          <p:style>
-            <a:lnRef idx="1">
-              <a:schemeClr val="accent1"/>
-            </a:lnRef>
-            <a:fillRef idx="3">
-              <a:schemeClr val="accent1"/>
-            </a:fillRef>
-            <a:effectRef idx="2">
-              <a:schemeClr val="accent1"/>
-            </a:effectRef>
-            <a:fontRef idx="minor">
-              <a:schemeClr val="lt1"/>
-            </a:fontRef>
-          </p:style>
-        </p:sp>
-      </p:grpSp>
-      <p:sp>
-        <p:nvSpPr>
-          <p:cNvPr id="21" name="Rectangle 20">
-            <a:extLst>
-              <a:ext uri="{FF2B5EF4-FFF2-40B4-BE49-F238E27FC236}">
-                <a16:creationId xmlns:a16="http://schemas.microsoft.com/office/drawing/2014/main" id="{7941F9B1-B01B-4A84-89D9-B169AEB4E456}"/>
-              </a:ext>
-              <a:ext uri="{C183D7F6-B498-43B3-948B-1728B52AA6E4}">
-                <adec:decorative xmlns:adec="http://schemas.microsoft.com/office/drawing/2017/decorative" val="1"/>
-              </a:ext>
-            </a:extLst>
-          </p:cNvPr>
-          <p:cNvSpPr>
-            <a:spLocks noGrp="1" noRot="1" noChangeAspect="1" noMove="1" noResize="1" noEditPoints="1" noAdjustHandles="1" noChangeArrowheads="1" noChangeShapeType="1" noTextEdit="1"/>
-          </p:cNvSpPr>
-          <p:nvPr>
-            <p:extLst>
-              <p:ext uri="{386F3935-93C4-4BCD-93E2-E3B085C9AB24}">
-                <p16:designElem xmlns:p16="http://schemas.microsoft.com/office/powerpoint/2015/main" val="1"/>
-              </p:ext>
-            </p:extLst>
-          </p:nvPr>
-        </p:nvSpPr>
-        <p:spPr>
-          <a:xfrm>
-            <a:off x="477012" y="480060"/>
-            <a:ext cx="11237976" cy="5897880"/>
-          </a:xfrm>
-          <a:prstGeom prst="rect">
-            <a:avLst/>
-          </a:prstGeom>
-          <a:solidFill>
-            <a:srgbClr val="FFFFFF"/>
-          </a:solidFill>
-          <a:ln w="9525">
-            <a:noFill/>
-          </a:ln>
-          <a:effectLst>
-            <a:outerShdw blurRad="63500" dist="17780" dir="5400000" algn="t" rotWithShape="0">
-              <a:prstClr val="black">
-                <a:alpha val="43000"/>
-              </a:prstClr>
-            </a:outerShdw>
-          </a:effectLst>
-        </p:spPr>
-        <p:style>
-          <a:lnRef idx="2">
-            <a:schemeClr val="accent1">
-              <a:shade val="50000"/>
-            </a:schemeClr>
-          </a:lnRef>
-          <a:fillRef idx="1">
-            <a:schemeClr val="accent1"/>
-          </a:fillRef>
-          <a:effectRef idx="0">
-            <a:schemeClr val="accent1"/>
-          </a:effectRef>
-          <a:fontRef idx="minor">
-            <a:schemeClr val="lt1"/>
-          </a:fontRef>
-        </p:style>
-        <p:txBody>
-          <a:bodyPr rtlCol="0" anchor="ctr"/>
-          <a:lstStyle/>
-          <a:p>
-            <a:pPr algn="ctr"/>
-            <a:endParaRPr lang="en-US"/>
-          </a:p>
-        </p:txBody>
-      </p:sp>
-      <p:pic>
-        <p:nvPicPr>
-          <p:cNvPr id="3" name="Image 2" descr="Une image contenant capture d’écran&#10;&#10;Description générée automatiquement">
-            <a:extLst>
-              <a:ext uri="{FF2B5EF4-FFF2-40B4-BE49-F238E27FC236}">
-                <a16:creationId xmlns:a16="http://schemas.microsoft.com/office/drawing/2014/main" id="{3BFBB533-F624-4395-9C5E-8E986D478B99}"/>
+                <a16:creationId xmlns:a16="http://schemas.microsoft.com/office/drawing/2014/main" id="{83C6E657-88AE-4938-A006-AA8058E60F55}"/>
               </a:ext>
             </a:extLst>
           </p:cNvPr>
@@ -9370,7 +6526,7 @@
           <p:nvPr/>
         </p:nvPicPr>
         <p:blipFill>
-          <a:blip r:embed="rId2">
+          <a:blip r:embed="rId5">
             <a:extLst>
               <a:ext uri="{28A0092B-C50C-407E-A947-70E740481C1C}">
                 <a14:useLocalDpi xmlns:a14="http://schemas.microsoft.com/office/drawing/2010/main" val="0"/>
@@ -9383,836 +6539,20 @@
         </p:blipFill>
         <p:spPr>
           <a:xfrm>
-            <a:off x="1529389" y="1131994"/>
-            <a:ext cx="9135098" cy="4590386"/>
+            <a:off x="3980330" y="3861339"/>
+            <a:ext cx="4173070" cy="2044804"/>
           </a:xfrm>
           <a:prstGeom prst="rect">
             <a:avLst/>
           </a:prstGeom>
         </p:spPr>
       </p:pic>
-    </p:spTree>
-    <p:extLst>
-      <p:ext uri="{BB962C8B-B14F-4D97-AF65-F5344CB8AC3E}">
-        <p14:creationId xmlns:p14="http://schemas.microsoft.com/office/powerpoint/2010/main" val="2541104521"/>
-      </p:ext>
-    </p:extLst>
-  </p:cSld>
-  <p:clrMapOvr>
-    <a:masterClrMapping/>
-  </p:clrMapOvr>
-</p:sld>
-</file>
-
-<file path=ppt/slides/slide6.xml><?xml version="1.0" encoding="utf-8"?>
-<p:sld xmlns:a="http://schemas.openxmlformats.org/drawingml/2006/main" xmlns:r="http://schemas.openxmlformats.org/officeDocument/2006/relationships" xmlns:p="http://schemas.openxmlformats.org/presentationml/2006/main">
-  <p:cSld>
-    <p:bg>
-      <p:bgPr>
-        <a:solidFill>
-          <a:schemeClr val="bg1"/>
-        </a:solidFill>
-        <a:effectLst/>
-      </p:bgPr>
-    </p:bg>
-    <p:spTree>
-      <p:nvGrpSpPr>
-        <p:cNvPr id="1" name=""/>
-        <p:cNvGrpSpPr/>
-        <p:nvPr/>
-      </p:nvGrpSpPr>
-      <p:grpSpPr>
-        <a:xfrm>
-          <a:off x="0" y="0"/>
-          <a:ext cx="0" cy="0"/>
-          <a:chOff x="0" y="0"/>
-          <a:chExt cx="0" cy="0"/>
-        </a:xfrm>
-      </p:grpSpPr>
-      <p:sp>
-        <p:nvSpPr>
-          <p:cNvPr id="24" name="Rectangle 23">
+      <p:pic>
+        <p:nvPicPr>
+          <p:cNvPr id="17" name="Image 16" descr="Une image contenant capture d’écran&#10;&#10;Description générée automatiquement">
             <a:extLst>
               <a:ext uri="{FF2B5EF4-FFF2-40B4-BE49-F238E27FC236}">
-                <a16:creationId xmlns:a16="http://schemas.microsoft.com/office/drawing/2014/main" id="{03E8462A-FEBA-4848-81CC-3F8DA3E477BE}"/>
-              </a:ext>
-              <a:ext uri="{C183D7F6-B498-43B3-948B-1728B52AA6E4}">
-                <adec:decorative xmlns:adec="http://schemas.microsoft.com/office/drawing/2017/decorative" val="1"/>
-              </a:ext>
-            </a:extLst>
-          </p:cNvPr>
-          <p:cNvSpPr>
-            <a:spLocks noGrp="1" noRot="1" noChangeAspect="1" noMove="1" noResize="1" noEditPoints="1" noAdjustHandles="1" noChangeArrowheads="1" noChangeShapeType="1" noTextEdit="1"/>
-          </p:cNvSpPr>
-          <p:nvPr>
-            <p:extLst>
-              <p:ext uri="{386F3935-93C4-4BCD-93E2-E3B085C9AB24}">
-                <p16:designElem xmlns:p16="http://schemas.microsoft.com/office/powerpoint/2015/main" val="1"/>
-              </p:ext>
-            </p:extLst>
-          </p:nvPr>
-        </p:nvSpPr>
-        <p:spPr>
-          <a:xfrm>
-            <a:off x="0" y="0"/>
-            <a:ext cx="12188952" cy="6858000"/>
-          </a:xfrm>
-          <a:prstGeom prst="rect">
-            <a:avLst/>
-          </a:prstGeom>
-          <a:solidFill>
-            <a:schemeClr val="accent2"/>
-          </a:solidFill>
-          <a:ln>
-            <a:noFill/>
-          </a:ln>
-        </p:spPr>
-        <p:style>
-          <a:lnRef idx="2">
-            <a:schemeClr val="accent1">
-              <a:shade val="50000"/>
-            </a:schemeClr>
-          </a:lnRef>
-          <a:fillRef idx="1">
-            <a:schemeClr val="accent1"/>
-          </a:fillRef>
-          <a:effectRef idx="0">
-            <a:schemeClr val="accent1"/>
-          </a:effectRef>
-          <a:fontRef idx="minor">
-            <a:schemeClr val="lt1"/>
-          </a:fontRef>
-        </p:style>
-        <p:txBody>
-          <a:bodyPr rtlCol="0" anchor="ctr"/>
-          <a:lstStyle/>
-          <a:p>
-            <a:pPr algn="ctr"/>
-            <a:endParaRPr lang="en-US"/>
-          </a:p>
-        </p:txBody>
-      </p:sp>
-      <p:grpSp>
-        <p:nvGrpSpPr>
-          <p:cNvPr id="26" name="Group 25">
-            <a:extLst>
-              <a:ext uri="{FF2B5EF4-FFF2-40B4-BE49-F238E27FC236}">
-                <a16:creationId xmlns:a16="http://schemas.microsoft.com/office/drawing/2014/main" id="{2109F83F-40FE-4DB3-84CC-09FB3340D06D}"/>
-              </a:ext>
-              <a:ext uri="{C183D7F6-B498-43B3-948B-1728B52AA6E4}">
-                <adec:decorative xmlns:adec="http://schemas.microsoft.com/office/drawing/2017/decorative" val="1"/>
-              </a:ext>
-            </a:extLst>
-          </p:cNvPr>
-          <p:cNvGrpSpPr>
-            <a:grpSpLocks noGrp="1" noUngrp="1" noRot="1" noChangeAspect="1" noMove="1" noResize="1"/>
-          </p:cNvGrpSpPr>
-          <p:nvPr>
-            <p:extLst>
-              <p:ext uri="{386F3935-93C4-4BCD-93E2-E3B085C9AB24}">
-                <p16:designElem xmlns:p16="http://schemas.microsoft.com/office/powerpoint/2015/main" val="1"/>
-              </p:ext>
-            </p:extLst>
-          </p:nvPr>
-        </p:nvGrpSpPr>
-        <p:grpSpPr>
-          <a:xfrm>
-            <a:off x="0" y="-8467"/>
-            <a:ext cx="12192000" cy="6866467"/>
-            <a:chOff x="0" y="-8467"/>
-            <a:chExt cx="12192000" cy="6866467"/>
-          </a:xfrm>
-        </p:grpSpPr>
-        <p:cxnSp>
-          <p:nvCxnSpPr>
-            <p:cNvPr id="27" name="Straight Connector 26">
-              <a:extLst>
-                <a:ext uri="{FF2B5EF4-FFF2-40B4-BE49-F238E27FC236}">
-                  <a16:creationId xmlns:a16="http://schemas.microsoft.com/office/drawing/2014/main" id="{1DE492D7-C3C3-48FF-80C8-37021EA0262F}"/>
-                </a:ext>
-                <a:ext uri="{C183D7F6-B498-43B3-948B-1728B52AA6E4}">
-                  <adec:decorative xmlns:adec="http://schemas.microsoft.com/office/drawing/2017/decorative" val="1"/>
-                </a:ext>
-              </a:extLst>
-            </p:cNvPr>
-            <p:cNvCxnSpPr/>
-            <p:nvPr>
-              <p:extLst>
-                <p:ext uri="{386F3935-93C4-4BCD-93E2-E3B085C9AB24}">
-                  <p16:designElem xmlns:p16="http://schemas.microsoft.com/office/powerpoint/2015/main" val="1"/>
-                </p:ext>
-              </p:extLst>
-            </p:nvPr>
-          </p:nvCxnSpPr>
-          <p:spPr>
-            <a:xfrm flipH="1">
-              <a:off x="7425267" y="3681413"/>
-              <a:ext cx="4763558" cy="3176587"/>
-            </a:xfrm>
-            <a:prstGeom prst="line">
-              <a:avLst/>
-            </a:prstGeom>
-            <a:ln w="9525">
-              <a:solidFill>
-                <a:schemeClr val="bg1">
-                  <a:lumMod val="85000"/>
-                </a:schemeClr>
-              </a:solidFill>
-            </a:ln>
-          </p:spPr>
-          <p:style>
-            <a:lnRef idx="2">
-              <a:schemeClr val="accent1"/>
-            </a:lnRef>
-            <a:fillRef idx="0">
-              <a:schemeClr val="accent1"/>
-            </a:fillRef>
-            <a:effectRef idx="1">
-              <a:schemeClr val="accent1"/>
-            </a:effectRef>
-            <a:fontRef idx="minor">
-              <a:schemeClr val="tx1"/>
-            </a:fontRef>
-          </p:style>
-        </p:cxnSp>
-        <p:sp>
-          <p:nvSpPr>
-            <p:cNvPr id="28" name="Rectangle 23">
-              <a:extLst>
-                <a:ext uri="{FF2B5EF4-FFF2-40B4-BE49-F238E27FC236}">
-                  <a16:creationId xmlns:a16="http://schemas.microsoft.com/office/drawing/2014/main" id="{0B30FF97-2E9A-490A-AED2-90BA2E0EC17F}"/>
-                </a:ext>
-                <a:ext uri="{C183D7F6-B498-43B3-948B-1728B52AA6E4}">
-                  <adec:decorative xmlns:adec="http://schemas.microsoft.com/office/drawing/2017/decorative" val="1"/>
-                </a:ext>
-              </a:extLst>
-            </p:cNvPr>
-            <p:cNvSpPr/>
-            <p:nvPr>
-              <p:extLst>
-                <p:ext uri="{386F3935-93C4-4BCD-93E2-E3B085C9AB24}">
-                  <p16:designElem xmlns:p16="http://schemas.microsoft.com/office/powerpoint/2015/main" val="1"/>
-                </p:ext>
-              </p:extLst>
-            </p:nvPr>
-          </p:nvSpPr>
-          <p:spPr>
-            <a:xfrm>
-              <a:off x="9181476" y="-8467"/>
-              <a:ext cx="3007349" cy="6866467"/>
-            </a:xfrm>
-            <a:custGeom>
-              <a:avLst/>
-              <a:gdLst/>
-              <a:ahLst/>
-              <a:cxnLst/>
-              <a:rect l="l" t="t" r="r" b="b"/>
-              <a:pathLst>
-                <a:path w="3007349" h="6866467">
-                  <a:moveTo>
-                    <a:pt x="2045532" y="0"/>
-                  </a:moveTo>
-                  <a:lnTo>
-                    <a:pt x="3007349" y="0"/>
-                  </a:lnTo>
-                  <a:lnTo>
-                    <a:pt x="3007349" y="6866467"/>
-                  </a:lnTo>
-                  <a:lnTo>
-                    <a:pt x="0" y="6866467"/>
-                  </a:lnTo>
-                  <a:lnTo>
-                    <a:pt x="2045532" y="0"/>
-                  </a:lnTo>
-                  <a:close/>
-                </a:path>
-              </a:pathLst>
-            </a:custGeom>
-            <a:solidFill>
-              <a:schemeClr val="accent1">
-                <a:alpha val="30000"/>
-              </a:schemeClr>
-            </a:solidFill>
-            <a:ln>
-              <a:noFill/>
-            </a:ln>
-            <a:effectLst/>
-          </p:spPr>
-          <p:style>
-            <a:lnRef idx="1">
-              <a:schemeClr val="accent1"/>
-            </a:lnRef>
-            <a:fillRef idx="3">
-              <a:schemeClr val="accent1"/>
-            </a:fillRef>
-            <a:effectRef idx="2">
-              <a:schemeClr val="accent1"/>
-            </a:effectRef>
-            <a:fontRef idx="minor">
-              <a:schemeClr val="lt1"/>
-            </a:fontRef>
-          </p:style>
-        </p:sp>
-        <p:sp>
-          <p:nvSpPr>
-            <p:cNvPr id="29" name="Rectangle 25">
-              <a:extLst>
-                <a:ext uri="{FF2B5EF4-FFF2-40B4-BE49-F238E27FC236}">
-                  <a16:creationId xmlns:a16="http://schemas.microsoft.com/office/drawing/2014/main" id="{B6D53C7D-A312-47B6-A66A-230A19CFACA6}"/>
-                </a:ext>
-                <a:ext uri="{C183D7F6-B498-43B3-948B-1728B52AA6E4}">
-                  <adec:decorative xmlns:adec="http://schemas.microsoft.com/office/drawing/2017/decorative" val="1"/>
-                </a:ext>
-              </a:extLst>
-            </p:cNvPr>
-            <p:cNvSpPr/>
-            <p:nvPr>
-              <p:extLst>
-                <p:ext uri="{386F3935-93C4-4BCD-93E2-E3B085C9AB24}">
-                  <p16:designElem xmlns:p16="http://schemas.microsoft.com/office/powerpoint/2015/main" val="1"/>
-                </p:ext>
-              </p:extLst>
-            </p:nvPr>
-          </p:nvSpPr>
-          <p:spPr>
-            <a:xfrm>
-              <a:off x="9603442" y="-8467"/>
-              <a:ext cx="2588558" cy="6866467"/>
-            </a:xfrm>
-            <a:custGeom>
-              <a:avLst/>
-              <a:gdLst/>
-              <a:ahLst/>
-              <a:cxnLst/>
-              <a:rect l="l" t="t" r="r" b="b"/>
-              <a:pathLst>
-                <a:path w="2573311" h="6866467">
-                  <a:moveTo>
-                    <a:pt x="0" y="0"/>
-                  </a:moveTo>
-                  <a:lnTo>
-                    <a:pt x="2573311" y="0"/>
-                  </a:lnTo>
-                  <a:lnTo>
-                    <a:pt x="2573311" y="6866467"/>
-                  </a:lnTo>
-                  <a:lnTo>
-                    <a:pt x="1202336" y="6866467"/>
-                  </a:lnTo>
-                  <a:lnTo>
-                    <a:pt x="0" y="0"/>
-                  </a:lnTo>
-                  <a:close/>
-                </a:path>
-              </a:pathLst>
-            </a:custGeom>
-            <a:solidFill>
-              <a:schemeClr val="accent1">
-                <a:alpha val="20000"/>
-              </a:schemeClr>
-            </a:solidFill>
-            <a:ln>
-              <a:noFill/>
-            </a:ln>
-            <a:effectLst/>
-          </p:spPr>
-          <p:style>
-            <a:lnRef idx="1">
-              <a:schemeClr val="accent1"/>
-            </a:lnRef>
-            <a:fillRef idx="3">
-              <a:schemeClr val="accent1"/>
-            </a:fillRef>
-            <a:effectRef idx="2">
-              <a:schemeClr val="accent1"/>
-            </a:effectRef>
-            <a:fontRef idx="minor">
-              <a:schemeClr val="lt1"/>
-            </a:fontRef>
-          </p:style>
-        </p:sp>
-        <p:sp>
-          <p:nvSpPr>
-            <p:cNvPr id="30" name="Isosceles Triangle 29">
-              <a:extLst>
-                <a:ext uri="{FF2B5EF4-FFF2-40B4-BE49-F238E27FC236}">
-                  <a16:creationId xmlns:a16="http://schemas.microsoft.com/office/drawing/2014/main" id="{9329D58C-0D2E-4A2B-AD6A-9CEE506784A8}"/>
-                </a:ext>
-                <a:ext uri="{C183D7F6-B498-43B3-948B-1728B52AA6E4}">
-                  <adec:decorative xmlns:adec="http://schemas.microsoft.com/office/drawing/2017/decorative" val="1"/>
-                </a:ext>
-              </a:extLst>
-            </p:cNvPr>
-            <p:cNvSpPr/>
-            <p:nvPr>
-              <p:extLst>
-                <p:ext uri="{386F3935-93C4-4BCD-93E2-E3B085C9AB24}">
-                  <p16:designElem xmlns:p16="http://schemas.microsoft.com/office/powerpoint/2015/main" val="1"/>
-                </p:ext>
-              </p:extLst>
-            </p:nvPr>
-          </p:nvSpPr>
-          <p:spPr>
-            <a:xfrm>
-              <a:off x="8932333" y="3048000"/>
-              <a:ext cx="3259667" cy="3810000"/>
-            </a:xfrm>
-            <a:prstGeom prst="triangle">
-              <a:avLst>
-                <a:gd name="adj" fmla="val 100000"/>
-              </a:avLst>
-            </a:prstGeom>
-            <a:solidFill>
-              <a:schemeClr val="accent2">
-                <a:alpha val="72000"/>
-              </a:schemeClr>
-            </a:solidFill>
-            <a:ln>
-              <a:noFill/>
-            </a:ln>
-            <a:effectLst/>
-          </p:spPr>
-          <p:style>
-            <a:lnRef idx="1">
-              <a:schemeClr val="accent1"/>
-            </a:lnRef>
-            <a:fillRef idx="3">
-              <a:schemeClr val="accent1"/>
-            </a:fillRef>
-            <a:effectRef idx="2">
-              <a:schemeClr val="accent1"/>
-            </a:effectRef>
-            <a:fontRef idx="minor">
-              <a:schemeClr val="lt1"/>
-            </a:fontRef>
-          </p:style>
-        </p:sp>
-        <p:sp>
-          <p:nvSpPr>
-            <p:cNvPr id="31" name="Rectangle 27">
-              <a:extLst>
-                <a:ext uri="{FF2B5EF4-FFF2-40B4-BE49-F238E27FC236}">
-                  <a16:creationId xmlns:a16="http://schemas.microsoft.com/office/drawing/2014/main" id="{9D446EDE-C690-4461-8BF2-7634808FC8B4}"/>
-                </a:ext>
-                <a:ext uri="{C183D7F6-B498-43B3-948B-1728B52AA6E4}">
-                  <adec:decorative xmlns:adec="http://schemas.microsoft.com/office/drawing/2017/decorative" val="1"/>
-                </a:ext>
-              </a:extLst>
-            </p:cNvPr>
-            <p:cNvSpPr/>
-            <p:nvPr>
-              <p:extLst>
-                <p:ext uri="{386F3935-93C4-4BCD-93E2-E3B085C9AB24}">
-                  <p16:designElem xmlns:p16="http://schemas.microsoft.com/office/powerpoint/2015/main" val="1"/>
-                </p:ext>
-              </p:extLst>
-            </p:nvPr>
-          </p:nvSpPr>
-          <p:spPr>
-            <a:xfrm>
-              <a:off x="9334500" y="-8467"/>
-              <a:ext cx="2854326" cy="6866467"/>
-            </a:xfrm>
-            <a:custGeom>
-              <a:avLst/>
-              <a:gdLst/>
-              <a:ahLst/>
-              <a:cxnLst/>
-              <a:rect l="l" t="t" r="r" b="b"/>
-              <a:pathLst>
-                <a:path w="2858013" h="6866467">
-                  <a:moveTo>
-                    <a:pt x="0" y="0"/>
-                  </a:moveTo>
-                  <a:lnTo>
-                    <a:pt x="2858013" y="0"/>
-                  </a:lnTo>
-                  <a:lnTo>
-                    <a:pt x="2858013" y="6866467"/>
-                  </a:lnTo>
-                  <a:lnTo>
-                    <a:pt x="2473942" y="6866467"/>
-                  </a:lnTo>
-                  <a:lnTo>
-                    <a:pt x="0" y="0"/>
-                  </a:lnTo>
-                  <a:close/>
-                </a:path>
-              </a:pathLst>
-            </a:custGeom>
-            <a:solidFill>
-              <a:schemeClr val="accent2">
-                <a:lumMod val="75000"/>
-                <a:alpha val="70000"/>
-              </a:schemeClr>
-            </a:solidFill>
-            <a:ln>
-              <a:noFill/>
-            </a:ln>
-            <a:effectLst/>
-          </p:spPr>
-          <p:style>
-            <a:lnRef idx="1">
-              <a:schemeClr val="accent1"/>
-            </a:lnRef>
-            <a:fillRef idx="3">
-              <a:schemeClr val="accent1"/>
-            </a:fillRef>
-            <a:effectRef idx="2">
-              <a:schemeClr val="accent1"/>
-            </a:effectRef>
-            <a:fontRef idx="minor">
-              <a:schemeClr val="lt1"/>
-            </a:fontRef>
-          </p:style>
-        </p:sp>
-        <p:sp>
-          <p:nvSpPr>
-            <p:cNvPr id="32" name="Rectangle 28">
-              <a:extLst>
-                <a:ext uri="{FF2B5EF4-FFF2-40B4-BE49-F238E27FC236}">
-                  <a16:creationId xmlns:a16="http://schemas.microsoft.com/office/drawing/2014/main" id="{323F3D34-6531-4AD7-A8C6-195A090281A1}"/>
-                </a:ext>
-                <a:ext uri="{C183D7F6-B498-43B3-948B-1728B52AA6E4}">
-                  <adec:decorative xmlns:adec="http://schemas.microsoft.com/office/drawing/2017/decorative" val="1"/>
-                </a:ext>
-              </a:extLst>
-            </p:cNvPr>
-            <p:cNvSpPr/>
-            <p:nvPr>
-              <p:extLst>
-                <p:ext uri="{386F3935-93C4-4BCD-93E2-E3B085C9AB24}">
-                  <p16:designElem xmlns:p16="http://schemas.microsoft.com/office/powerpoint/2015/main" val="1"/>
-                </p:ext>
-              </p:extLst>
-            </p:nvPr>
-          </p:nvSpPr>
-          <p:spPr>
-            <a:xfrm>
-              <a:off x="10898730" y="-8467"/>
-              <a:ext cx="1290094" cy="6866467"/>
-            </a:xfrm>
-            <a:custGeom>
-              <a:avLst/>
-              <a:gdLst/>
-              <a:ahLst/>
-              <a:cxnLst/>
-              <a:rect l="l" t="t" r="r" b="b"/>
-              <a:pathLst>
-                <a:path w="1290094" h="6858000">
-                  <a:moveTo>
-                    <a:pt x="1019735" y="0"/>
-                  </a:moveTo>
-                  <a:lnTo>
-                    <a:pt x="1290094" y="0"/>
-                  </a:lnTo>
-                  <a:lnTo>
-                    <a:pt x="1290094" y="6858000"/>
-                  </a:lnTo>
-                  <a:lnTo>
-                    <a:pt x="0" y="6858000"/>
-                  </a:lnTo>
-                  <a:lnTo>
-                    <a:pt x="1019735" y="0"/>
-                  </a:lnTo>
-                  <a:close/>
-                </a:path>
-              </a:pathLst>
-            </a:custGeom>
-            <a:solidFill>
-              <a:schemeClr val="accent1">
-                <a:lumMod val="60000"/>
-                <a:lumOff val="40000"/>
-                <a:alpha val="70000"/>
-              </a:schemeClr>
-            </a:solidFill>
-            <a:ln>
-              <a:noFill/>
-            </a:ln>
-            <a:effectLst/>
-          </p:spPr>
-          <p:style>
-            <a:lnRef idx="1">
-              <a:schemeClr val="accent1"/>
-            </a:lnRef>
-            <a:fillRef idx="3">
-              <a:schemeClr val="accent1"/>
-            </a:fillRef>
-            <a:effectRef idx="2">
-              <a:schemeClr val="accent1"/>
-            </a:effectRef>
-            <a:fontRef idx="minor">
-              <a:schemeClr val="lt1"/>
-            </a:fontRef>
-          </p:style>
-        </p:sp>
-        <p:sp>
-          <p:nvSpPr>
-            <p:cNvPr id="33" name="Rectangle 29">
-              <a:extLst>
-                <a:ext uri="{FF2B5EF4-FFF2-40B4-BE49-F238E27FC236}">
-                  <a16:creationId xmlns:a16="http://schemas.microsoft.com/office/drawing/2014/main" id="{B9B0AE3F-2350-435F-A9B0-C310BF876385}"/>
-                </a:ext>
-                <a:ext uri="{C183D7F6-B498-43B3-948B-1728B52AA6E4}">
-                  <adec:decorative xmlns:adec="http://schemas.microsoft.com/office/drawing/2017/decorative" val="1"/>
-                </a:ext>
-              </a:extLst>
-            </p:cNvPr>
-            <p:cNvSpPr/>
-            <p:nvPr>
-              <p:extLst>
-                <p:ext uri="{386F3935-93C4-4BCD-93E2-E3B085C9AB24}">
-                  <p16:designElem xmlns:p16="http://schemas.microsoft.com/office/powerpoint/2015/main" val="1"/>
-                </p:ext>
-              </p:extLst>
-            </p:nvPr>
-          </p:nvSpPr>
-          <p:spPr>
-            <a:xfrm>
-              <a:off x="10938999" y="-8467"/>
-              <a:ext cx="1249825" cy="6866467"/>
-            </a:xfrm>
-            <a:custGeom>
-              <a:avLst/>
-              <a:gdLst/>
-              <a:ahLst/>
-              <a:cxnLst/>
-              <a:rect l="l" t="t" r="r" b="b"/>
-              <a:pathLst>
-                <a:path w="1249825" h="6858000">
-                  <a:moveTo>
-                    <a:pt x="0" y="0"/>
-                  </a:moveTo>
-                  <a:lnTo>
-                    <a:pt x="1249825" y="0"/>
-                  </a:lnTo>
-                  <a:lnTo>
-                    <a:pt x="1249825" y="6858000"/>
-                  </a:lnTo>
-                  <a:lnTo>
-                    <a:pt x="1109382" y="6858000"/>
-                  </a:lnTo>
-                  <a:lnTo>
-                    <a:pt x="0" y="0"/>
-                  </a:lnTo>
-                  <a:close/>
-                </a:path>
-              </a:pathLst>
-            </a:custGeom>
-            <a:solidFill>
-              <a:schemeClr val="accent1">
-                <a:alpha val="65000"/>
-              </a:schemeClr>
-            </a:solidFill>
-            <a:ln>
-              <a:noFill/>
-            </a:ln>
-            <a:effectLst/>
-          </p:spPr>
-          <p:style>
-            <a:lnRef idx="1">
-              <a:schemeClr val="accent1"/>
-            </a:lnRef>
-            <a:fillRef idx="3">
-              <a:schemeClr val="accent1"/>
-            </a:fillRef>
-            <a:effectRef idx="2">
-              <a:schemeClr val="accent1"/>
-            </a:effectRef>
-            <a:fontRef idx="minor">
-              <a:schemeClr val="lt1"/>
-            </a:fontRef>
-          </p:style>
-        </p:sp>
-        <p:sp>
-          <p:nvSpPr>
-            <p:cNvPr id="34" name="Isosceles Triangle 33">
-              <a:extLst>
-                <a:ext uri="{FF2B5EF4-FFF2-40B4-BE49-F238E27FC236}">
-                  <a16:creationId xmlns:a16="http://schemas.microsoft.com/office/drawing/2014/main" id="{4EFA655C-9E50-4C14-A89E-AD7B648E4E2B}"/>
-                </a:ext>
-                <a:ext uri="{C183D7F6-B498-43B3-948B-1728B52AA6E4}">
-                  <adec:decorative xmlns:adec="http://schemas.microsoft.com/office/drawing/2017/decorative" val="1"/>
-                </a:ext>
-              </a:extLst>
-            </p:cNvPr>
-            <p:cNvSpPr/>
-            <p:nvPr>
-              <p:extLst>
-                <p:ext uri="{386F3935-93C4-4BCD-93E2-E3B085C9AB24}">
-                  <p16:designElem xmlns:p16="http://schemas.microsoft.com/office/powerpoint/2015/main" val="1"/>
-                </p:ext>
-              </p:extLst>
-            </p:nvPr>
-          </p:nvSpPr>
-          <p:spPr>
-            <a:xfrm>
-              <a:off x="10371666" y="3589867"/>
-              <a:ext cx="1817159" cy="3268133"/>
-            </a:xfrm>
-            <a:prstGeom prst="triangle">
-              <a:avLst>
-                <a:gd name="adj" fmla="val 100000"/>
-              </a:avLst>
-            </a:prstGeom>
-            <a:solidFill>
-              <a:schemeClr val="accent1">
-                <a:alpha val="80000"/>
-              </a:schemeClr>
-            </a:solidFill>
-            <a:ln>
-              <a:noFill/>
-            </a:ln>
-            <a:effectLst/>
-          </p:spPr>
-          <p:style>
-            <a:lnRef idx="1">
-              <a:schemeClr val="accent1"/>
-            </a:lnRef>
-            <a:fillRef idx="3">
-              <a:schemeClr val="accent1"/>
-            </a:fillRef>
-            <a:effectRef idx="2">
-              <a:schemeClr val="accent1"/>
-            </a:effectRef>
-            <a:fontRef idx="minor">
-              <a:schemeClr val="lt1"/>
-            </a:fontRef>
-          </p:style>
-        </p:sp>
-        <p:sp>
-          <p:nvSpPr>
-            <p:cNvPr id="35" name="Isosceles Triangle 34">
-              <a:extLst>
-                <a:ext uri="{FF2B5EF4-FFF2-40B4-BE49-F238E27FC236}">
-                  <a16:creationId xmlns:a16="http://schemas.microsoft.com/office/drawing/2014/main" id="{3E843863-7D25-4C01-9A17-E817CB6D998A}"/>
-                </a:ext>
-                <a:ext uri="{C183D7F6-B498-43B3-948B-1728B52AA6E4}">
-                  <adec:decorative xmlns:adec="http://schemas.microsoft.com/office/drawing/2017/decorative" val="1"/>
-                </a:ext>
-              </a:extLst>
-            </p:cNvPr>
-            <p:cNvSpPr/>
-            <p:nvPr>
-              <p:extLst>
-                <p:ext uri="{386F3935-93C4-4BCD-93E2-E3B085C9AB24}">
-                  <p16:designElem xmlns:p16="http://schemas.microsoft.com/office/powerpoint/2015/main" val="1"/>
-                </p:ext>
-              </p:extLst>
-            </p:nvPr>
-          </p:nvSpPr>
-          <p:spPr>
-            <a:xfrm>
-              <a:off x="0" y="4013200"/>
-              <a:ext cx="448733" cy="2844800"/>
-            </a:xfrm>
-            <a:prstGeom prst="triangle">
-              <a:avLst>
-                <a:gd name="adj" fmla="val 0"/>
-              </a:avLst>
-            </a:prstGeom>
-            <a:solidFill>
-              <a:schemeClr val="accent1">
-                <a:alpha val="85000"/>
-              </a:schemeClr>
-            </a:solidFill>
-            <a:ln>
-              <a:noFill/>
-            </a:ln>
-            <a:effectLst/>
-          </p:spPr>
-          <p:style>
-            <a:lnRef idx="1">
-              <a:schemeClr val="accent1"/>
-            </a:lnRef>
-            <a:fillRef idx="3">
-              <a:schemeClr val="accent1"/>
-            </a:fillRef>
-            <a:effectRef idx="2">
-              <a:schemeClr val="accent1"/>
-            </a:effectRef>
-            <a:fontRef idx="minor">
-              <a:schemeClr val="lt1"/>
-            </a:fontRef>
-          </p:style>
-        </p:sp>
-      </p:grpSp>
-      <p:sp>
-        <p:nvSpPr>
-          <p:cNvPr id="37" name="Rectangle 36">
-            <a:extLst>
-              <a:ext uri="{FF2B5EF4-FFF2-40B4-BE49-F238E27FC236}">
-                <a16:creationId xmlns:a16="http://schemas.microsoft.com/office/drawing/2014/main" id="{7941F9B1-B01B-4A84-89D9-B169AEB4E456}"/>
-              </a:ext>
-              <a:ext uri="{C183D7F6-B498-43B3-948B-1728B52AA6E4}">
-                <adec:decorative xmlns:adec="http://schemas.microsoft.com/office/drawing/2017/decorative" val="1"/>
-              </a:ext>
-            </a:extLst>
-          </p:cNvPr>
-          <p:cNvSpPr>
-            <a:spLocks noGrp="1" noRot="1" noChangeAspect="1" noMove="1" noResize="1" noEditPoints="1" noAdjustHandles="1" noChangeArrowheads="1" noChangeShapeType="1" noTextEdit="1"/>
-          </p:cNvSpPr>
-          <p:nvPr>
-            <p:extLst>
-              <p:ext uri="{386F3935-93C4-4BCD-93E2-E3B085C9AB24}">
-                <p16:designElem xmlns:p16="http://schemas.microsoft.com/office/powerpoint/2015/main" val="1"/>
-              </p:ext>
-            </p:extLst>
-          </p:nvPr>
-        </p:nvSpPr>
-        <p:spPr>
-          <a:xfrm>
-            <a:off x="477012" y="480060"/>
-            <a:ext cx="11237976" cy="5897880"/>
-          </a:xfrm>
-          <a:prstGeom prst="rect">
-            <a:avLst/>
-          </a:prstGeom>
-          <a:solidFill>
-            <a:srgbClr val="FFFFFF"/>
-          </a:solidFill>
-          <a:ln w="9525">
-            <a:noFill/>
-          </a:ln>
-          <a:effectLst>
-            <a:outerShdw blurRad="63500" dist="17780" dir="5400000" algn="t" rotWithShape="0">
-              <a:prstClr val="black">
-                <a:alpha val="43000"/>
-              </a:prstClr>
-            </a:outerShdw>
-          </a:effectLst>
-        </p:spPr>
-        <p:style>
-          <a:lnRef idx="2">
-            <a:schemeClr val="accent1">
-              <a:shade val="50000"/>
-            </a:schemeClr>
-          </a:lnRef>
-          <a:fillRef idx="1">
-            <a:schemeClr val="accent1"/>
-          </a:fillRef>
-          <a:effectRef idx="0">
-            <a:schemeClr val="accent1"/>
-          </a:effectRef>
-          <a:fontRef idx="minor">
-            <a:schemeClr val="lt1"/>
-          </a:fontRef>
-        </p:style>
-        <p:txBody>
-          <a:bodyPr rtlCol="0" anchor="ctr"/>
-          <a:lstStyle/>
-          <a:p>
-            <a:pPr algn="ctr"/>
-            <a:endParaRPr lang="en-US"/>
-          </a:p>
-        </p:txBody>
-      </p:sp>
-      <p:pic>
-        <p:nvPicPr>
-          <p:cNvPr id="19" name="Image 18" descr="Une image contenant capture d’écran&#10;&#10;Description générée automatiquement">
-            <a:extLst>
-              <a:ext uri="{FF2B5EF4-FFF2-40B4-BE49-F238E27FC236}">
-                <a16:creationId xmlns:a16="http://schemas.microsoft.com/office/drawing/2014/main" id="{6D849B3B-25D4-4F4A-81C6-74A76F5719B6}"/>
+                <a16:creationId xmlns:a16="http://schemas.microsoft.com/office/drawing/2014/main" id="{F20D230C-89FB-4B36-B040-1A9D102B3A35}"/>
               </a:ext>
             </a:extLst>
           </p:cNvPr>
@@ -10222,7 +6562,7 @@
           <p:nvPr/>
         </p:nvPicPr>
         <p:blipFill>
-          <a:blip r:embed="rId2">
+          <a:blip r:embed="rId6">
             <a:extLst>
               <a:ext uri="{28A0092B-C50C-407E-A947-70E740481C1C}">
                 <a14:useLocalDpi xmlns:a14="http://schemas.microsoft.com/office/drawing/2010/main" val="0"/>
@@ -10235,18 +6575,193 @@
         </p:blipFill>
         <p:spPr>
           <a:xfrm>
-            <a:off x="1126309" y="1376803"/>
-            <a:ext cx="9941259" cy="4100768"/>
+            <a:off x="8791560" y="4873832"/>
+            <a:ext cx="3161210" cy="1588507"/>
           </a:xfrm>
           <a:prstGeom prst="rect">
             <a:avLst/>
           </a:prstGeom>
         </p:spPr>
       </p:pic>
+      <p:sp>
+        <p:nvSpPr>
+          <p:cNvPr id="26" name="ZoneTexte 25">
+            <a:extLst>
+              <a:ext uri="{FF2B5EF4-FFF2-40B4-BE49-F238E27FC236}">
+                <a16:creationId xmlns:a16="http://schemas.microsoft.com/office/drawing/2014/main" id="{78D7DCFD-B58B-4DAD-8BCC-87E5BC36836D}"/>
+              </a:ext>
+            </a:extLst>
+          </p:cNvPr>
+          <p:cNvSpPr txBox="1"/>
+          <p:nvPr/>
+        </p:nvSpPr>
+        <p:spPr>
+          <a:xfrm>
+            <a:off x="147977" y="4167269"/>
+            <a:ext cx="3841580" cy="369332"/>
+          </a:xfrm>
+          <a:prstGeom prst="rect">
+            <a:avLst/>
+          </a:prstGeom>
+          <a:noFill/>
+        </p:spPr>
+        <p:txBody>
+          <a:bodyPr wrap="square" rtlCol="0">
+            <a:spAutoFit/>
+          </a:bodyPr>
+          <a:lstStyle/>
+          <a:p>
+            <a:r>
+              <a:rPr lang="fr-FR" dirty="0"/>
+              <a:t>Interface de connexion basique</a:t>
+            </a:r>
+          </a:p>
+        </p:txBody>
+      </p:sp>
+      <p:sp>
+        <p:nvSpPr>
+          <p:cNvPr id="27" name="ZoneTexte 26">
+            <a:extLst>
+              <a:ext uri="{FF2B5EF4-FFF2-40B4-BE49-F238E27FC236}">
+                <a16:creationId xmlns:a16="http://schemas.microsoft.com/office/drawing/2014/main" id="{F136BFE4-36B3-4704-A916-8034B98AE46D}"/>
+              </a:ext>
+            </a:extLst>
+          </p:cNvPr>
+          <p:cNvSpPr txBox="1"/>
+          <p:nvPr/>
+        </p:nvSpPr>
+        <p:spPr>
+          <a:xfrm>
+            <a:off x="4003896" y="3411837"/>
+            <a:ext cx="3841580" cy="369332"/>
+          </a:xfrm>
+          <a:prstGeom prst="rect">
+            <a:avLst/>
+          </a:prstGeom>
+          <a:noFill/>
+        </p:spPr>
+        <p:txBody>
+          <a:bodyPr wrap="square" rtlCol="0">
+            <a:spAutoFit/>
+          </a:bodyPr>
+          <a:lstStyle/>
+          <a:p>
+            <a:r>
+              <a:rPr lang="fr-FR" dirty="0"/>
+              <a:t>Menu simple à percevoir</a:t>
+            </a:r>
+          </a:p>
+        </p:txBody>
+      </p:sp>
+      <p:sp>
+        <p:nvSpPr>
+          <p:cNvPr id="28" name="ZoneTexte 27">
+            <a:extLst>
+              <a:ext uri="{FF2B5EF4-FFF2-40B4-BE49-F238E27FC236}">
+                <a16:creationId xmlns:a16="http://schemas.microsoft.com/office/drawing/2014/main" id="{FA378D3F-6F4D-425C-A1AF-4EAE6CCCB887}"/>
+              </a:ext>
+            </a:extLst>
+          </p:cNvPr>
+          <p:cNvSpPr txBox="1"/>
+          <p:nvPr/>
+        </p:nvSpPr>
+        <p:spPr>
+          <a:xfrm>
+            <a:off x="147977" y="158755"/>
+            <a:ext cx="4956047" cy="646331"/>
+          </a:xfrm>
+          <a:prstGeom prst="rect">
+            <a:avLst/>
+          </a:prstGeom>
+          <a:noFill/>
+        </p:spPr>
+        <p:txBody>
+          <a:bodyPr wrap="square" rtlCol="0">
+            <a:spAutoFit/>
+          </a:bodyPr>
+          <a:lstStyle/>
+          <a:p>
+            <a:r>
+              <a:rPr lang="fr-FR" dirty="0"/>
+              <a:t>Liste d’informations ordonnée avec la possibilité de filtrer, trier et supprimer</a:t>
+            </a:r>
+          </a:p>
+        </p:txBody>
+      </p:sp>
+      <p:sp>
+        <p:nvSpPr>
+          <p:cNvPr id="29" name="ZoneTexte 28">
+            <a:extLst>
+              <a:ext uri="{FF2B5EF4-FFF2-40B4-BE49-F238E27FC236}">
+                <a16:creationId xmlns:a16="http://schemas.microsoft.com/office/drawing/2014/main" id="{6B750D7D-350D-4D24-8A6A-F911B20D217F}"/>
+              </a:ext>
+            </a:extLst>
+          </p:cNvPr>
+          <p:cNvSpPr txBox="1"/>
+          <p:nvPr/>
+        </p:nvSpPr>
+        <p:spPr>
+          <a:xfrm>
+            <a:off x="6270105" y="129409"/>
+            <a:ext cx="2495072" cy="646331"/>
+          </a:xfrm>
+          <a:prstGeom prst="rect">
+            <a:avLst/>
+          </a:prstGeom>
+          <a:noFill/>
+        </p:spPr>
+        <p:txBody>
+          <a:bodyPr wrap="square" rtlCol="0">
+            <a:spAutoFit/>
+          </a:bodyPr>
+          <a:lstStyle/>
+          <a:p>
+            <a:r>
+              <a:rPr lang="fr-FR" dirty="0"/>
+              <a:t>Ajout et modification de données</a:t>
+            </a:r>
+          </a:p>
+        </p:txBody>
+      </p:sp>
+      <p:sp>
+        <p:nvSpPr>
+          <p:cNvPr id="30" name="ZoneTexte 29">
+            <a:extLst>
+              <a:ext uri="{FF2B5EF4-FFF2-40B4-BE49-F238E27FC236}">
+                <a16:creationId xmlns:a16="http://schemas.microsoft.com/office/drawing/2014/main" id="{486210A9-CEEC-47E7-9ADD-A6C5D2A2DF69}"/>
+              </a:ext>
+            </a:extLst>
+          </p:cNvPr>
+          <p:cNvSpPr txBox="1"/>
+          <p:nvPr/>
+        </p:nvSpPr>
+        <p:spPr>
+          <a:xfrm>
+            <a:off x="8630693" y="4005328"/>
+            <a:ext cx="3161209" cy="646331"/>
+          </a:xfrm>
+          <a:prstGeom prst="rect">
+            <a:avLst/>
+          </a:prstGeom>
+          <a:noFill/>
+        </p:spPr>
+        <p:txBody>
+          <a:bodyPr wrap="square" rtlCol="0">
+            <a:spAutoFit/>
+          </a:bodyPr>
+          <a:lstStyle/>
+          <a:p>
+            <a:r>
+              <a:rPr lang="fr-FR" dirty="0"/>
+              <a:t>Les informations les plus détaillées possibles</a:t>
+            </a:r>
+          </a:p>
+        </p:txBody>
+      </p:sp>
     </p:spTree>
     <p:extLst>
       <p:ext uri="{BB962C8B-B14F-4D97-AF65-F5344CB8AC3E}">
-        <p14:creationId xmlns:p14="http://schemas.microsoft.com/office/powerpoint/2010/main" val="2763674151"/>
+        <p14:creationId xmlns:p14="http://schemas.microsoft.com/office/powerpoint/2010/main" val="879897594"/>
       </p:ext>
     </p:extLst>
   </p:cSld>
